--- a/Soutenance Projet 3.pptx
+++ b/Soutenance Projet 3.pptx
@@ -7,12 +7,12 @@
   <p:sldIdLst>
     <p:sldId id="256" r:id="rId2"/>
     <p:sldId id="272" r:id="rId3"/>
-    <p:sldId id="269" r:id="rId4"/>
-    <p:sldId id="273" r:id="rId5"/>
+    <p:sldId id="257" r:id="rId4"/>
+    <p:sldId id="269" r:id="rId5"/>
     <p:sldId id="265" r:id="rId6"/>
     <p:sldId id="270" r:id="rId7"/>
     <p:sldId id="271" r:id="rId8"/>
-    <p:sldId id="257" r:id="rId9"/>
+    <p:sldId id="273" r:id="rId9"/>
     <p:sldId id="260" r:id="rId10"/>
   </p:sldIdLst>
   <p:sldSz cx="12192000" cy="6858000"/>
@@ -123,7 +123,7 @@
 <file path=ppt/revisionInfo.xml><?xml version="1.0" encoding="utf-8"?>
 <p1510:revInfo xmlns:a="http://schemas.openxmlformats.org/drawingml/2006/main" xmlns:r="http://schemas.openxmlformats.org/officeDocument/2006/relationships" xmlns:p1510="http://schemas.microsoft.com/office/powerpoint/2015/10/main">
   <p1510:revLst>
-    <p1510:client id="{AFF11BCB-7F55-42BA-AE98-EFB4175ACAA9}" v="72" dt="2021-12-02T15:43:25.172"/>
+    <p1510:client id="{AFF11BCB-7F55-42BA-AE98-EFB4175ACAA9}" v="107" dt="2021-12-06T17:04:38.537"/>
   </p1510:revLst>
 </p1510:revInfo>
 </file>
@@ -133,18 +133,18 @@
   <pc:docChgLst>
     <pc:chgData name="Julien Beral" userId="ad6c37df7c2f1f77" providerId="LiveId" clId="{AFF11BCB-7F55-42BA-AE98-EFB4175ACAA9}"/>
     <pc:docChg chg="undo redo custSel addSld delSld modSld sldOrd">
-      <pc:chgData name="Julien Beral" userId="ad6c37df7c2f1f77" providerId="LiveId" clId="{AFF11BCB-7F55-42BA-AE98-EFB4175ACAA9}" dt="2021-12-02T15:46:27.003" v="3295" actId="2696"/>
+      <pc:chgData name="Julien Beral" userId="ad6c37df7c2f1f77" providerId="LiveId" clId="{AFF11BCB-7F55-42BA-AE98-EFB4175ACAA9}" dt="2021-12-07T10:43:59.799" v="3610" actId="1076"/>
       <pc:docMkLst>
         <pc:docMk/>
       </pc:docMkLst>
       <pc:sldChg chg="delSp modSp mod">
-        <pc:chgData name="Julien Beral" userId="ad6c37df7c2f1f77" providerId="LiveId" clId="{AFF11BCB-7F55-42BA-AE98-EFB4175ACAA9}" dt="2021-12-02T09:58:56.703" v="1459" actId="478"/>
+        <pc:chgData name="Julien Beral" userId="ad6c37df7c2f1f77" providerId="LiveId" clId="{AFF11BCB-7F55-42BA-AE98-EFB4175ACAA9}" dt="2021-12-06T14:41:09.023" v="3525" actId="27636"/>
         <pc:sldMkLst>
           <pc:docMk/>
           <pc:sldMk cId="2372200547" sldId="256"/>
         </pc:sldMkLst>
         <pc:spChg chg="mod">
-          <ac:chgData name="Julien Beral" userId="ad6c37df7c2f1f77" providerId="LiveId" clId="{AFF11BCB-7F55-42BA-AE98-EFB4175ACAA9}" dt="2021-11-30T13:11:14.071" v="7" actId="207"/>
+          <ac:chgData name="Julien Beral" userId="ad6c37df7c2f1f77" providerId="LiveId" clId="{AFF11BCB-7F55-42BA-AE98-EFB4175ACAA9}" dt="2021-12-06T14:41:09.023" v="3525" actId="27636"/>
           <ac:spMkLst>
             <pc:docMk/>
             <pc:sldMk cId="2372200547" sldId="256"/>
@@ -169,13 +169,13 @@
         </pc:picChg>
       </pc:sldChg>
       <pc:sldChg chg="addSp delSp modSp mod ord">
-        <pc:chgData name="Julien Beral" userId="ad6c37df7c2f1f77" providerId="LiveId" clId="{AFF11BCB-7F55-42BA-AE98-EFB4175ACAA9}" dt="2021-12-02T15:46:23.583" v="3294" actId="20577"/>
+        <pc:chgData name="Julien Beral" userId="ad6c37df7c2f1f77" providerId="LiveId" clId="{AFF11BCB-7F55-42BA-AE98-EFB4175ACAA9}" dt="2021-12-07T10:43:59.799" v="3610" actId="1076"/>
         <pc:sldMkLst>
           <pc:docMk/>
           <pc:sldMk cId="957695054" sldId="257"/>
         </pc:sldMkLst>
         <pc:spChg chg="mod">
-          <ac:chgData name="Julien Beral" userId="ad6c37df7c2f1f77" providerId="LiveId" clId="{AFF11BCB-7F55-42BA-AE98-EFB4175ACAA9}" dt="2021-12-02T15:46:23.583" v="3294" actId="20577"/>
+          <ac:chgData name="Julien Beral" userId="ad6c37df7c2f1f77" providerId="LiveId" clId="{AFF11BCB-7F55-42BA-AE98-EFB4175ACAA9}" dt="2021-12-06T13:10:12.216" v="3462" actId="20577"/>
           <ac:spMkLst>
             <pc:docMk/>
             <pc:sldMk cId="957695054" sldId="257"/>
@@ -215,7 +215,7 @@
           </ac:picMkLst>
         </pc:picChg>
         <pc:picChg chg="add mod">
-          <ac:chgData name="Julien Beral" userId="ad6c37df7c2f1f77" providerId="LiveId" clId="{AFF11BCB-7F55-42BA-AE98-EFB4175ACAA9}" dt="2021-11-30T15:18:13.201" v="17" actId="14100"/>
+          <ac:chgData name="Julien Beral" userId="ad6c37df7c2f1f77" providerId="LiveId" clId="{AFF11BCB-7F55-42BA-AE98-EFB4175ACAA9}" dt="2021-12-07T10:43:59.799" v="3610" actId="1076"/>
           <ac:picMkLst>
             <pc:docMk/>
             <pc:sldMk cId="957695054" sldId="257"/>
@@ -311,7 +311,7 @@
         </pc:picChg>
       </pc:sldChg>
       <pc:sldChg chg="modSp mod">
-        <pc:chgData name="Julien Beral" userId="ad6c37df7c2f1f77" providerId="LiveId" clId="{AFF11BCB-7F55-42BA-AE98-EFB4175ACAA9}" dt="2021-12-01T10:57:00.137" v="1374" actId="20577"/>
+        <pc:chgData name="Julien Beral" userId="ad6c37df7c2f1f77" providerId="LiveId" clId="{AFF11BCB-7F55-42BA-AE98-EFB4175ACAA9}" dt="2021-12-06T14:07:15.417" v="3516" actId="313"/>
         <pc:sldMkLst>
           <pc:docMk/>
           <pc:sldMk cId="3844649193" sldId="260"/>
@@ -325,7 +325,7 @@
           </ac:spMkLst>
         </pc:spChg>
         <pc:spChg chg="mod">
-          <ac:chgData name="Julien Beral" userId="ad6c37df7c2f1f77" providerId="LiveId" clId="{AFF11BCB-7F55-42BA-AE98-EFB4175ACAA9}" dt="2021-12-01T10:57:00.137" v="1374" actId="20577"/>
+          <ac:chgData name="Julien Beral" userId="ad6c37df7c2f1f77" providerId="LiveId" clId="{AFF11BCB-7F55-42BA-AE98-EFB4175ACAA9}" dt="2021-12-06T14:07:15.417" v="3516" actId="313"/>
           <ac:spMkLst>
             <pc:docMk/>
             <pc:sldMk cId="3844649193" sldId="260"/>
@@ -548,7 +548,7 @@
         </pc:picChg>
       </pc:sldChg>
       <pc:sldChg chg="addSp delSp modSp mod">
-        <pc:chgData name="Julien Beral" userId="ad6c37df7c2f1f77" providerId="LiveId" clId="{AFF11BCB-7F55-42BA-AE98-EFB4175ACAA9}" dt="2021-12-02T11:12:09.973" v="2628" actId="255"/>
+        <pc:chgData name="Julien Beral" userId="ad6c37df7c2f1f77" providerId="LiveId" clId="{AFF11BCB-7F55-42BA-AE98-EFB4175ACAA9}" dt="2021-12-06T13:07:56.824" v="3452" actId="255"/>
         <pc:sldMkLst>
           <pc:docMk/>
           <pc:sldMk cId="2897488544" sldId="265"/>
@@ -559,6 +559,14 @@
             <pc:docMk/>
             <pc:sldMk cId="2897488544" sldId="265"/>
             <ac:spMk id="2" creationId="{3EF79EF2-E93F-41A2-8CDD-CF464611EE39}"/>
+          </ac:spMkLst>
+        </pc:spChg>
+        <pc:spChg chg="add mod">
+          <ac:chgData name="Julien Beral" userId="ad6c37df7c2f1f77" providerId="LiveId" clId="{AFF11BCB-7F55-42BA-AE98-EFB4175ACAA9}" dt="2021-12-06T13:07:56.824" v="3452" actId="255"/>
+          <ac:spMkLst>
+            <pc:docMk/>
+            <pc:sldMk cId="2897488544" sldId="265"/>
+            <ac:spMk id="3" creationId="{D1ED27EC-E14B-4388-8A9A-C5B6E0E3D89A}"/>
           </ac:spMkLst>
         </pc:spChg>
         <pc:spChg chg="add del mod">
@@ -824,13 +832,13 @@
         </pc:picChg>
       </pc:sldChg>
       <pc:sldChg chg="addSp delSp modSp add mod">
-        <pc:chgData name="Julien Beral" userId="ad6c37df7c2f1f77" providerId="LiveId" clId="{AFF11BCB-7F55-42BA-AE98-EFB4175ACAA9}" dt="2021-12-02T10:41:21.132" v="2323" actId="20577"/>
+        <pc:chgData name="Julien Beral" userId="ad6c37df7c2f1f77" providerId="LiveId" clId="{AFF11BCB-7F55-42BA-AE98-EFB4175ACAA9}" dt="2021-12-06T13:10:16.727" v="3466" actId="20577"/>
         <pc:sldMkLst>
           <pc:docMk/>
           <pc:sldMk cId="2990815335" sldId="269"/>
         </pc:sldMkLst>
         <pc:spChg chg="mod">
-          <ac:chgData name="Julien Beral" userId="ad6c37df7c2f1f77" providerId="LiveId" clId="{AFF11BCB-7F55-42BA-AE98-EFB4175ACAA9}" dt="2021-12-02T10:41:21.132" v="2323" actId="20577"/>
+          <ac:chgData name="Julien Beral" userId="ad6c37df7c2f1f77" providerId="LiveId" clId="{AFF11BCB-7F55-42BA-AE98-EFB4175ACAA9}" dt="2021-12-06T13:10:16.727" v="3466" actId="20577"/>
           <ac:spMkLst>
             <pc:docMk/>
             <pc:sldMk cId="2990815335" sldId="269"/>
@@ -854,7 +862,7 @@
           </ac:spMkLst>
         </pc:spChg>
         <pc:spChg chg="add mod">
-          <ac:chgData name="Julien Beral" userId="ad6c37df7c2f1f77" providerId="LiveId" clId="{AFF11BCB-7F55-42BA-AE98-EFB4175ACAA9}" dt="2021-12-02T10:38:36.021" v="2277" actId="1076"/>
+          <ac:chgData name="Julien Beral" userId="ad6c37df7c2f1f77" providerId="LiveId" clId="{AFF11BCB-7F55-42BA-AE98-EFB4175ACAA9}" dt="2021-12-06T12:23:35.869" v="3352" actId="20577"/>
           <ac:spMkLst>
             <pc:docMk/>
             <pc:sldMk cId="2990815335" sldId="269"/>
@@ -1077,7 +1085,7 @@
         </pc:sldMkLst>
       </pc:sldChg>
       <pc:sldChg chg="addSp delSp modSp add mod">
-        <pc:chgData name="Julien Beral" userId="ad6c37df7c2f1f77" providerId="LiveId" clId="{AFF11BCB-7F55-42BA-AE98-EFB4175ACAA9}" dt="2021-12-02T15:45:52.653" v="3286" actId="20577"/>
+        <pc:chgData name="Julien Beral" userId="ad6c37df7c2f1f77" providerId="LiveId" clId="{AFF11BCB-7F55-42BA-AE98-EFB4175ACAA9}" dt="2021-12-06T13:07:45.055" v="3451" actId="1076"/>
         <pc:sldMkLst>
           <pc:docMk/>
           <pc:sldMk cId="2917933361" sldId="271"/>
@@ -1107,6 +1115,14 @@
           </ac:spMkLst>
         </pc:spChg>
         <pc:spChg chg="add mod">
+          <ac:chgData name="Julien Beral" userId="ad6c37df7c2f1f77" providerId="LiveId" clId="{AFF11BCB-7F55-42BA-AE98-EFB4175ACAA9}" dt="2021-12-06T13:07:45.055" v="3451" actId="1076"/>
+          <ac:spMkLst>
+            <pc:docMk/>
+            <pc:sldMk cId="2917933361" sldId="271"/>
+            <ac:spMk id="4" creationId="{BE285158-E541-4C26-BDBC-0C2D80AAF1B4}"/>
+          </ac:spMkLst>
+        </pc:spChg>
+        <pc:spChg chg="add mod">
           <ac:chgData name="Julien Beral" userId="ad6c37df7c2f1f77" providerId="LiveId" clId="{AFF11BCB-7F55-42BA-AE98-EFB4175ACAA9}" dt="2021-12-02T11:36:48.877" v="3009" actId="255"/>
           <ac:spMkLst>
             <pc:docMk/>
@@ -1148,7 +1164,7 @@
         </pc:picChg>
       </pc:sldChg>
       <pc:sldChg chg="addSp delSp modSp mod">
-        <pc:chgData name="Julien Beral" userId="ad6c37df7c2f1f77" providerId="LiveId" clId="{AFF11BCB-7F55-42BA-AE98-EFB4175ACAA9}" dt="2021-12-02T10:15:36.567" v="1805" actId="20577"/>
+        <pc:chgData name="Julien Beral" userId="ad6c37df7c2f1f77" providerId="LiveId" clId="{AFF11BCB-7F55-42BA-AE98-EFB4175ACAA9}" dt="2021-12-06T14:07:07.427" v="3514" actId="20577"/>
         <pc:sldMkLst>
           <pc:docMk/>
           <pc:sldMk cId="1935440380" sldId="272"/>
@@ -1170,7 +1186,7 @@
           </ac:spMkLst>
         </pc:spChg>
         <pc:spChg chg="mod">
-          <ac:chgData name="Julien Beral" userId="ad6c37df7c2f1f77" providerId="LiveId" clId="{AFF11BCB-7F55-42BA-AE98-EFB4175ACAA9}" dt="2021-12-02T10:15:36.567" v="1805" actId="20577"/>
+          <ac:chgData name="Julien Beral" userId="ad6c37df7c2f1f77" providerId="LiveId" clId="{AFF11BCB-7F55-42BA-AE98-EFB4175ACAA9}" dt="2021-12-06T14:07:07.427" v="3514" actId="20577"/>
           <ac:spMkLst>
             <pc:docMk/>
             <pc:sldMk cId="1935440380" sldId="272"/>
@@ -1186,7 +1202,7 @@
           </ac:picMkLst>
         </pc:picChg>
         <pc:picChg chg="add mod">
-          <ac:chgData name="Julien Beral" userId="ad6c37df7c2f1f77" providerId="LiveId" clId="{AFF11BCB-7F55-42BA-AE98-EFB4175ACAA9}" dt="2021-12-02T10:13:40.369" v="1741" actId="14100"/>
+          <ac:chgData name="Julien Beral" userId="ad6c37df7c2f1f77" providerId="LiveId" clId="{AFF11BCB-7F55-42BA-AE98-EFB4175ACAA9}" dt="2021-12-06T12:22:52.637" v="3296" actId="1076"/>
           <ac:picMkLst>
             <pc:docMk/>
             <pc:sldMk cId="1935440380" sldId="272"/>
@@ -1210,14 +1226,14 @@
           </ac:picMkLst>
         </pc:picChg>
       </pc:sldChg>
-      <pc:sldChg chg="addSp delSp modSp add mod">
-        <pc:chgData name="Julien Beral" userId="ad6c37df7c2f1f77" providerId="LiveId" clId="{AFF11BCB-7F55-42BA-AE98-EFB4175ACAA9}" dt="2021-12-02T11:08:16.633" v="2605" actId="20577"/>
+      <pc:sldChg chg="addSp delSp modSp add mod ord delAnim modAnim">
+        <pc:chgData name="Julien Beral" userId="ad6c37df7c2f1f77" providerId="LiveId" clId="{AFF11BCB-7F55-42BA-AE98-EFB4175ACAA9}" dt="2021-12-06T17:04:43.571" v="3608" actId="1076"/>
         <pc:sldMkLst>
           <pc:docMk/>
           <pc:sldMk cId="1520961315" sldId="273"/>
         </pc:sldMkLst>
         <pc:spChg chg="mod">
-          <ac:chgData name="Julien Beral" userId="ad6c37df7c2f1f77" providerId="LiveId" clId="{AFF11BCB-7F55-42BA-AE98-EFB4175ACAA9}" dt="2021-12-02T10:54:22.007" v="2396" actId="1076"/>
+          <ac:chgData name="Julien Beral" userId="ad6c37df7c2f1f77" providerId="LiveId" clId="{AFF11BCB-7F55-42BA-AE98-EFB4175ACAA9}" dt="2021-12-06T13:10:23.096" v="3468" actId="20577"/>
           <ac:spMkLst>
             <pc:docMk/>
             <pc:sldMk cId="1520961315" sldId="273"/>
@@ -1232,8 +1248,8 @@
             <ac:spMk id="8" creationId="{D9B7C94D-0FFC-499A-9B2E-E48DC78A6341}"/>
           </ac:spMkLst>
         </pc:spChg>
-        <pc:spChg chg="mod">
-          <ac:chgData name="Julien Beral" userId="ad6c37df7c2f1f77" providerId="LiveId" clId="{AFF11BCB-7F55-42BA-AE98-EFB4175ACAA9}" dt="2021-12-02T11:03:15.592" v="2450" actId="1076"/>
+        <pc:spChg chg="del mod">
+          <ac:chgData name="Julien Beral" userId="ad6c37df7c2f1f77" providerId="LiveId" clId="{AFF11BCB-7F55-42BA-AE98-EFB4175ACAA9}" dt="2021-12-06T15:24:41.133" v="3551"/>
           <ac:spMkLst>
             <pc:docMk/>
             <pc:sldMk cId="1520961315" sldId="273"/>
@@ -1241,6 +1257,22 @@
           </ac:spMkLst>
         </pc:spChg>
         <pc:picChg chg="add del mod">
+          <ac:chgData name="Julien Beral" userId="ad6c37df7c2f1f77" providerId="LiveId" clId="{AFF11BCB-7F55-42BA-AE98-EFB4175ACAA9}" dt="2021-12-06T16:33:19.129" v="3591" actId="478"/>
+          <ac:picMkLst>
+            <pc:docMk/>
+            <pc:sldMk cId="1520961315" sldId="273"/>
+            <ac:picMk id="3" creationId="{7926C9EB-D6D0-4201-A09D-BBA8933E7A52}"/>
+          </ac:picMkLst>
+        </pc:picChg>
+        <pc:picChg chg="add del mod">
+          <ac:chgData name="Julien Beral" userId="ad6c37df7c2f1f77" providerId="LiveId" clId="{AFF11BCB-7F55-42BA-AE98-EFB4175ACAA9}" dt="2021-12-06T15:12:18.363" v="3528" actId="478"/>
+          <ac:picMkLst>
+            <pc:docMk/>
+            <pc:sldMk cId="1520961315" sldId="273"/>
+            <ac:picMk id="3" creationId="{D773A925-EF73-47D1-AD69-337063A200F7}"/>
+          </ac:picMkLst>
+        </pc:picChg>
+        <pc:picChg chg="add del mod">
           <ac:chgData name="Julien Beral" userId="ad6c37df7c2f1f77" providerId="LiveId" clId="{AFF11BCB-7F55-42BA-AE98-EFB4175ACAA9}" dt="2021-12-02T10:58:26.137" v="2417" actId="478"/>
           <ac:picMkLst>
             <pc:docMk/>
@@ -1248,6 +1280,14 @@
             <ac:picMk id="4" creationId="{70D5D1A4-26A0-4AE8-8A9E-61006D14C0C8}"/>
           </ac:picMkLst>
         </pc:picChg>
+        <pc:picChg chg="add del mod">
+          <ac:chgData name="Julien Beral" userId="ad6c37df7c2f1f77" providerId="LiveId" clId="{AFF11BCB-7F55-42BA-AE98-EFB4175ACAA9}" dt="2021-12-06T17:04:33.602" v="3603" actId="478"/>
+          <ac:picMkLst>
+            <pc:docMk/>
+            <pc:sldMk cId="1520961315" sldId="273"/>
+            <ac:picMk id="5" creationId="{FAD366F2-FD8C-47E7-963D-07C0092F96AE}"/>
+          </ac:picMkLst>
+        </pc:picChg>
         <pc:picChg chg="mod">
           <ac:chgData name="Julien Beral" userId="ad6c37df7c2f1f77" providerId="LiveId" clId="{AFF11BCB-7F55-42BA-AE98-EFB4175ACAA9}" dt="2021-12-02T10:57:10.005" v="2412" actId="1076"/>
           <ac:picMkLst>
@@ -1256,8 +1296,8 @@
             <ac:picMk id="6" creationId="{7FFC9714-8363-4148-B3A8-4D212E407D63}"/>
           </ac:picMkLst>
         </pc:picChg>
-        <pc:picChg chg="add mod">
-          <ac:chgData name="Julien Beral" userId="ad6c37df7c2f1f77" providerId="LiveId" clId="{AFF11BCB-7F55-42BA-AE98-EFB4175ACAA9}" dt="2021-12-02T10:59:44.767" v="2421" actId="1076"/>
+        <pc:picChg chg="add del mod">
+          <ac:chgData name="Julien Beral" userId="ad6c37df7c2f1f77" providerId="LiveId" clId="{AFF11BCB-7F55-42BA-AE98-EFB4175ACAA9}" dt="2021-12-06T15:11:51.653" v="3526" actId="478"/>
           <ac:picMkLst>
             <pc:docMk/>
             <pc:sldMk cId="1520961315" sldId="273"/>
@@ -1265,27 +1305,91 @@
           </ac:picMkLst>
         </pc:picChg>
         <pc:picChg chg="add mod">
-          <ac:chgData name="Julien Beral" userId="ad6c37df7c2f1f77" providerId="LiveId" clId="{AFF11BCB-7F55-42BA-AE98-EFB4175ACAA9}" dt="2021-12-02T11:04:10.032" v="2506" actId="1076"/>
+          <ac:chgData name="Julien Beral" userId="ad6c37df7c2f1f77" providerId="LiveId" clId="{AFF11BCB-7F55-42BA-AE98-EFB4175ACAA9}" dt="2021-12-06T16:52:46.977" v="3596" actId="1076"/>
+          <ac:picMkLst>
+            <pc:docMk/>
+            <pc:sldMk cId="1520961315" sldId="273"/>
+            <ac:picMk id="7" creationId="{BA444994-330A-4C69-B046-2E473BDBB754}"/>
+          </ac:picMkLst>
+        </pc:picChg>
+        <pc:picChg chg="add del mod">
+          <ac:chgData name="Julien Beral" userId="ad6c37df7c2f1f77" providerId="LiveId" clId="{AFF11BCB-7F55-42BA-AE98-EFB4175ACAA9}" dt="2021-12-06T15:47:35.828" v="3565" actId="478"/>
           <ac:picMkLst>
             <pc:docMk/>
             <pc:sldMk cId="1520961315" sldId="273"/>
             <ac:picMk id="10" creationId="{1324F4B5-B331-4775-80D6-28C017A28FC4}"/>
           </ac:picMkLst>
         </pc:picChg>
-        <pc:picChg chg="mod">
-          <ac:chgData name="Julien Beral" userId="ad6c37df7c2f1f77" providerId="LiveId" clId="{AFF11BCB-7F55-42BA-AE98-EFB4175ACAA9}" dt="2021-12-02T11:03:10.692" v="2449" actId="1076"/>
+        <pc:picChg chg="add mod">
+          <ac:chgData name="Julien Beral" userId="ad6c37df7c2f1f77" providerId="LiveId" clId="{AFF11BCB-7F55-42BA-AE98-EFB4175ACAA9}" dt="2021-12-06T16:55:44.023" v="3602" actId="1076"/>
+          <ac:picMkLst>
+            <pc:docMk/>
+            <pc:sldMk cId="1520961315" sldId="273"/>
+            <ac:picMk id="10" creationId="{453D083D-9F76-4867-A5E2-36E5D795F149}"/>
+          </ac:picMkLst>
+        </pc:picChg>
+        <pc:picChg chg="add del mod">
+          <ac:chgData name="Julien Beral" userId="ad6c37df7c2f1f77" providerId="LiveId" clId="{AFF11BCB-7F55-42BA-AE98-EFB4175ACAA9}" dt="2021-12-06T15:24:26.716" v="3542" actId="478"/>
+          <ac:picMkLst>
+            <pc:docMk/>
+            <pc:sldMk cId="1520961315" sldId="273"/>
+            <ac:picMk id="11" creationId="{1A127950-AB4A-4134-AEBC-1C74F2755671}"/>
+          </ac:picMkLst>
+        </pc:picChg>
+        <pc:picChg chg="add mod">
+          <ac:chgData name="Julien Beral" userId="ad6c37df7c2f1f77" providerId="LiveId" clId="{AFF11BCB-7F55-42BA-AE98-EFB4175ACAA9}" dt="2021-12-06T17:04:43.571" v="3608" actId="1076"/>
+          <ac:picMkLst>
+            <pc:docMk/>
+            <pc:sldMk cId="1520961315" sldId="273"/>
+            <ac:picMk id="12" creationId="{3E22A08A-7F34-4B8F-A14C-FEA354B029DB}"/>
+          </ac:picMkLst>
+        </pc:picChg>
+        <pc:picChg chg="del mod">
+          <ac:chgData name="Julien Beral" userId="ad6c37df7c2f1f77" providerId="LiveId" clId="{AFF11BCB-7F55-42BA-AE98-EFB4175ACAA9}" dt="2021-12-06T15:24:41.126" v="3549" actId="478"/>
           <ac:picMkLst>
             <pc:docMk/>
             <pc:sldMk cId="1520961315" sldId="273"/>
             <ac:picMk id="13" creationId="{BD2887E1-387C-49B1-8CE2-E87D120AEE16}"/>
           </ac:picMkLst>
         </pc:picChg>
-        <pc:picChg chg="mod">
-          <ac:chgData name="Julien Beral" userId="ad6c37df7c2f1f77" providerId="LiveId" clId="{AFF11BCB-7F55-42BA-AE98-EFB4175ACAA9}" dt="2021-12-02T11:03:19.242" v="2451" actId="1076"/>
+        <pc:picChg chg="add del mod">
+          <ac:chgData name="Julien Beral" userId="ad6c37df7c2f1f77" providerId="LiveId" clId="{AFF11BCB-7F55-42BA-AE98-EFB4175ACAA9}" dt="2021-12-06T15:38:38.901" v="3557" actId="478"/>
+          <ac:picMkLst>
+            <pc:docMk/>
+            <pc:sldMk cId="1520961315" sldId="273"/>
+            <ac:picMk id="14" creationId="{A4A8D74B-40D4-4D0C-93F1-4AF866BFFAD7}"/>
+          </ac:picMkLst>
+        </pc:picChg>
+        <pc:picChg chg="del mod">
+          <ac:chgData name="Julien Beral" userId="ad6c37df7c2f1f77" providerId="LiveId" clId="{AFF11BCB-7F55-42BA-AE98-EFB4175ACAA9}" dt="2021-12-06T15:24:39.936" v="3547" actId="478"/>
           <ac:picMkLst>
             <pc:docMk/>
             <pc:sldMk cId="1520961315" sldId="273"/>
             <ac:picMk id="15" creationId="{17E5C82C-91EC-42D5-941E-2E35AA3EBA28}"/>
+          </ac:picMkLst>
+        </pc:picChg>
+        <pc:picChg chg="add del mod">
+          <ac:chgData name="Julien Beral" userId="ad6c37df7c2f1f77" providerId="LiveId" clId="{AFF11BCB-7F55-42BA-AE98-EFB4175ACAA9}" dt="2021-12-06T16:55:31.775" v="3597" actId="478"/>
+          <ac:picMkLst>
+            <pc:docMk/>
+            <pc:sldMk cId="1520961315" sldId="273"/>
+            <ac:picMk id="18" creationId="{017A574F-C9D0-4DF4-ACC6-2CB0A3C0B578}"/>
+          </ac:picMkLst>
+        </pc:picChg>
+        <pc:picChg chg="add del mod">
+          <ac:chgData name="Julien Beral" userId="ad6c37df7c2f1f77" providerId="LiveId" clId="{AFF11BCB-7F55-42BA-AE98-EFB4175ACAA9}" dt="2021-12-06T15:55:27.705" v="3570" actId="478"/>
+          <ac:picMkLst>
+            <pc:docMk/>
+            <pc:sldMk cId="1520961315" sldId="273"/>
+            <ac:picMk id="20" creationId="{33E6BB10-AEDF-41AC-BC0E-62779717996A}"/>
+          </ac:picMkLst>
+        </pc:picChg>
+        <pc:picChg chg="add del mod">
+          <ac:chgData name="Julien Beral" userId="ad6c37df7c2f1f77" providerId="LiveId" clId="{AFF11BCB-7F55-42BA-AE98-EFB4175ACAA9}" dt="2021-12-06T16:51:30.316" v="3592" actId="478"/>
+          <ac:picMkLst>
+            <pc:docMk/>
+            <pc:sldMk cId="1520961315" sldId="273"/>
+            <ac:picMk id="22" creationId="{518F6CC7-1DE3-41E5-A7B6-7C11590AD189}"/>
           </ac:picMkLst>
         </pc:picChg>
       </pc:sldChg>
@@ -2045,7 +2149,7 @@
           <a:p>
             <a:fld id="{62C4EA58-C11A-4DEB-8C3D-2645C13D8151}" type="datetimeFigureOut">
               <a:rPr lang="fr-FR" smtClean="0"/>
-              <a:t>02/12/2021</a:t>
+              <a:t>07/12/2021</a:t>
             </a:fld>
             <a:endParaRPr lang="fr-FR"/>
           </a:p>
@@ -2243,7 +2347,7 @@
           <a:p>
             <a:fld id="{62C4EA58-C11A-4DEB-8C3D-2645C13D8151}" type="datetimeFigureOut">
               <a:rPr lang="fr-FR" smtClean="0"/>
-              <a:t>02/12/2021</a:t>
+              <a:t>07/12/2021</a:t>
             </a:fld>
             <a:endParaRPr lang="fr-FR"/>
           </a:p>
@@ -2451,7 +2555,7 @@
           <a:p>
             <a:fld id="{62C4EA58-C11A-4DEB-8C3D-2645C13D8151}" type="datetimeFigureOut">
               <a:rPr lang="fr-FR" smtClean="0"/>
-              <a:t>02/12/2021</a:t>
+              <a:t>07/12/2021</a:t>
             </a:fld>
             <a:endParaRPr lang="fr-FR"/>
           </a:p>
@@ -2649,7 +2753,7 @@
           <a:p>
             <a:fld id="{62C4EA58-C11A-4DEB-8C3D-2645C13D8151}" type="datetimeFigureOut">
               <a:rPr lang="fr-FR" smtClean="0"/>
-              <a:t>02/12/2021</a:t>
+              <a:t>07/12/2021</a:t>
             </a:fld>
             <a:endParaRPr lang="fr-FR"/>
           </a:p>
@@ -2924,7 +3028,7 @@
           <a:p>
             <a:fld id="{62C4EA58-C11A-4DEB-8C3D-2645C13D8151}" type="datetimeFigureOut">
               <a:rPr lang="fr-FR" smtClean="0"/>
-              <a:t>02/12/2021</a:t>
+              <a:t>07/12/2021</a:t>
             </a:fld>
             <a:endParaRPr lang="fr-FR"/>
           </a:p>
@@ -3189,7 +3293,7 @@
           <a:p>
             <a:fld id="{62C4EA58-C11A-4DEB-8C3D-2645C13D8151}" type="datetimeFigureOut">
               <a:rPr lang="fr-FR" smtClean="0"/>
-              <a:t>02/12/2021</a:t>
+              <a:t>07/12/2021</a:t>
             </a:fld>
             <a:endParaRPr lang="fr-FR"/>
           </a:p>
@@ -3601,7 +3705,7 @@
           <a:p>
             <a:fld id="{62C4EA58-C11A-4DEB-8C3D-2645C13D8151}" type="datetimeFigureOut">
               <a:rPr lang="fr-FR" smtClean="0"/>
-              <a:t>02/12/2021</a:t>
+              <a:t>07/12/2021</a:t>
             </a:fld>
             <a:endParaRPr lang="fr-FR"/>
           </a:p>
@@ -3742,7 +3846,7 @@
           <a:p>
             <a:fld id="{62C4EA58-C11A-4DEB-8C3D-2645C13D8151}" type="datetimeFigureOut">
               <a:rPr lang="fr-FR" smtClean="0"/>
-              <a:t>02/12/2021</a:t>
+              <a:t>07/12/2021</a:t>
             </a:fld>
             <a:endParaRPr lang="fr-FR"/>
           </a:p>
@@ -3855,7 +3959,7 @@
           <a:p>
             <a:fld id="{62C4EA58-C11A-4DEB-8C3D-2645C13D8151}" type="datetimeFigureOut">
               <a:rPr lang="fr-FR" smtClean="0"/>
-              <a:t>02/12/2021</a:t>
+              <a:t>07/12/2021</a:t>
             </a:fld>
             <a:endParaRPr lang="fr-FR"/>
           </a:p>
@@ -4166,7 +4270,7 @@
           <a:p>
             <a:fld id="{62C4EA58-C11A-4DEB-8C3D-2645C13D8151}" type="datetimeFigureOut">
               <a:rPr lang="fr-FR" smtClean="0"/>
-              <a:t>02/12/2021</a:t>
+              <a:t>07/12/2021</a:t>
             </a:fld>
             <a:endParaRPr lang="fr-FR"/>
           </a:p>
@@ -4454,7 +4558,7 @@
           <a:p>
             <a:fld id="{62C4EA58-C11A-4DEB-8C3D-2645C13D8151}" type="datetimeFigureOut">
               <a:rPr lang="fr-FR" smtClean="0"/>
-              <a:t>02/12/2021</a:t>
+              <a:t>07/12/2021</a:t>
             </a:fld>
             <a:endParaRPr lang="fr-FR"/>
           </a:p>
@@ -4695,7 +4799,7 @@
           <a:p>
             <a:fld id="{62C4EA58-C11A-4DEB-8C3D-2645C13D8151}" type="datetimeFigureOut">
               <a:rPr lang="fr-FR" smtClean="0"/>
-              <a:t>02/12/2021</a:t>
+              <a:t>07/12/2021</a:t>
             </a:fld>
             <a:endParaRPr lang="fr-FR"/>
           </a:p>
@@ -5136,7 +5240,7 @@
         </p:spPr>
         <p:txBody>
           <a:bodyPr>
-            <a:normAutofit fontScale="90000"/>
+            <a:normAutofit/>
           </a:bodyPr>
           <a:lstStyle/>
           <a:p>
@@ -5199,7 +5303,7 @@
                 <a:ea typeface="Calibri" panose="020F0502020204030204" pitchFamily="34" charset="0"/>
                 <a:cs typeface="Times New Roman" panose="02020603050405020304" pitchFamily="18" charset="0"/>
               </a:rPr>
-              <a:t>Transformez une maquette en site web avec HTML &amp; CSS</a:t>
+              <a:t>Dynamisez une page web avec des animations CSS</a:t>
             </a:r>
             <a:br>
               <a:rPr lang="fr-FR" sz="1800" dirty="0">
@@ -5384,8 +5488,8 @@
         </p:nvSpPr>
         <p:spPr>
           <a:xfrm>
-            <a:off x="7638023" y="1044249"/>
-            <a:ext cx="4343181" cy="2893100"/>
+            <a:off x="7671579" y="1361749"/>
+            <a:ext cx="4343181" cy="3323987"/>
           </a:xfrm>
           <a:prstGeom prst="rect">
             <a:avLst/>
@@ -5706,7 +5810,7 @@
                 <a:ea typeface="+mn-ea"/>
                 <a:cs typeface="+mn-cs"/>
               </a:rPr>
-              <a:t>-Mise en ligne du site grâce à GitHub Pages</a:t>
+              <a:t>-Mise en ligne du site grâce à GitHub Pages :</a:t>
             </a:r>
           </a:p>
           <a:p>
@@ -5729,6 +5833,34 @@
             </a:endParaRPr>
           </a:p>
           <a:p>
+            <a:pPr>
+              <a:defRPr/>
+            </a:pPr>
+            <a:r>
+              <a:rPr lang="fr-FR" sz="1400" dirty="0">
+                <a:solidFill>
+                  <a:prstClr val="black"/>
+                </a:solidFill>
+                <a:latin typeface="Montserrat" panose="00000500000000000000" pitchFamily="2" charset="0"/>
+              </a:rPr>
+              <a:t>https://julien014.github.io/JulienBeral_3_15112021/</a:t>
+            </a:r>
+            <a:endParaRPr kumimoji="0" lang="fr-FR" sz="1400" b="0" i="0" u="none" strike="noStrike" kern="1200" cap="none" spc="0" normalizeH="0" baseline="0" noProof="0" dirty="0">
+              <a:ln>
+                <a:noFill/>
+              </a:ln>
+              <a:solidFill>
+                <a:prstClr val="black"/>
+              </a:solidFill>
+              <a:effectLst/>
+              <a:uLnTx/>
+              <a:uFillTx/>
+              <a:latin typeface="Montserrat" panose="00000500000000000000" pitchFamily="2" charset="0"/>
+              <a:ea typeface="+mn-ea"/>
+              <a:cs typeface="+mn-cs"/>
+            </a:endParaRPr>
+          </a:p>
+          <a:p>
             <a:pPr marL="0" marR="0" lvl="0" indent="0" algn="l" defTabSz="914400" rtl="0" eaLnBrk="1" fontAlgn="auto" latinLnBrk="0" hangingPunct="1">
               <a:lnSpc>
                 <a:spcPct val="100000"/>
@@ -5793,7 +5925,7 @@
         </p:blipFill>
         <p:spPr>
           <a:xfrm>
-            <a:off x="838199" y="1044249"/>
+            <a:off x="838200" y="1361749"/>
             <a:ext cx="6470359" cy="4134502"/>
           </a:xfrm>
         </p:spPr>
@@ -5833,7 +5965,7 @@
           <p:cNvPr id="2" name="Titre 1">
             <a:extLst>
               <a:ext uri="{FF2B5EF4-FFF2-40B4-BE49-F238E27FC236}">
-                <a16:creationId xmlns:a16="http://schemas.microsoft.com/office/drawing/2014/main" id="{85C30D5D-E9FE-4B5C-8F15-528AABB35912}"/>
+                <a16:creationId xmlns:a16="http://schemas.microsoft.com/office/drawing/2014/main" id="{4DDDF703-226F-4F65-B2C4-5985A968E06E}"/>
               </a:ext>
             </a:extLst>
           </p:cNvPr>
@@ -5846,14 +5978,25 @@
         </p:nvSpPr>
         <p:spPr>
           <a:xfrm>
-            <a:off x="838200" y="-251670"/>
+            <a:off x="838200" y="-281314"/>
             <a:ext cx="10515600" cy="1325563"/>
           </a:xfrm>
         </p:spPr>
         <p:txBody>
-          <a:bodyPr/>
+          <a:bodyPr>
+            <a:normAutofit/>
+          </a:bodyPr>
           <a:lstStyle/>
           <a:p>
+            <a:r>
+              <a:rPr lang="fr-FR" sz="2400" b="1" dirty="0">
+                <a:solidFill>
+                  <a:srgbClr val="9356DC"/>
+                </a:solidFill>
+                <a:latin typeface="Montserrat" panose="00000500000000000000" pitchFamily="2" charset="0"/>
+              </a:rPr>
+              <a:t>I. </a:t>
+            </a:r>
             <a:r>
               <a:rPr kumimoji="0" lang="fr-FR" sz="2400" b="1" i="0" u="none" strike="noStrike" kern="1200" cap="none" spc="0" normalizeH="0" baseline="0" noProof="0" dirty="0">
                 <a:ln>
@@ -5869,72 +6012,181 @@
                 <a:ea typeface="+mj-ea"/>
                 <a:cs typeface="+mj-cs"/>
               </a:rPr>
-              <a:t>I. Les points techniques du projet</a:t>
-            </a:r>
-            <a:br>
-              <a:rPr kumimoji="0" lang="fr-FR" sz="2400" b="1" i="0" u="none" strike="noStrike" kern="1200" cap="none" spc="0" normalizeH="0" baseline="0" noProof="0" dirty="0">
-                <a:ln>
-                  <a:noFill/>
-                </a:ln>
+              <a:t>Les </a:t>
+            </a:r>
+            <a:r>
+              <a:rPr lang="fr-FR" sz="2400" b="1" dirty="0">
                 <a:solidFill>
                   <a:srgbClr val="9356DC"/>
                 </a:solidFill>
-                <a:effectLst/>
-                <a:uLnTx/>
-                <a:uFillTx/>
                 <a:latin typeface="Montserrat" panose="00000500000000000000" pitchFamily="2" charset="0"/>
-                <a:ea typeface="+mj-ea"/>
-                <a:cs typeface="+mj-cs"/>
+              </a:rPr>
+              <a:t>points techniques du projet</a:t>
+            </a:r>
+            <a:br>
+              <a:rPr lang="fr-FR" sz="2400" b="1" dirty="0">
+                <a:solidFill>
+                  <a:srgbClr val="0065FC"/>
+                </a:solidFill>
+                <a:latin typeface="Montserrat" panose="00000500000000000000" pitchFamily="2" charset="0"/>
               </a:rPr>
             </a:br>
             <a:r>
-              <a:rPr kumimoji="0" lang="fr-FR" sz="1800" i="0" u="none" strike="noStrike" kern="1200" cap="none" spc="0" normalizeH="0" baseline="0" noProof="0" dirty="0">
-                <a:ln>
-                  <a:noFill/>
-                </a:ln>
+              <a:rPr lang="fr-FR" sz="1800" dirty="0">
                 <a:solidFill>
                   <a:srgbClr val="9356DC"/>
                 </a:solidFill>
-                <a:effectLst/>
-                <a:uLnTx/>
-                <a:uFillTx/>
                 <a:latin typeface="Montserrat" panose="00000500000000000000" pitchFamily="2" charset="0"/>
-                <a:ea typeface="+mj-ea"/>
-                <a:cs typeface="+mj-cs"/>
               </a:rPr>
-              <a:t>b</a:t>
-            </a:r>
-            <a:r>
-              <a:rPr kumimoji="0" lang="fr-FR" sz="1800" b="0" i="0" u="none" strike="noStrike" kern="1200" cap="none" spc="0" normalizeH="0" baseline="0" noProof="0" dirty="0">
-                <a:ln>
-                  <a:noFill/>
-                </a:ln>
-                <a:solidFill>
-                  <a:srgbClr val="9356DC"/>
-                </a:solidFill>
-                <a:effectLst/>
-                <a:uLnTx/>
-                <a:uFillTx/>
+              <a:t>b) Réalisation du plan de la maquette</a:t>
+            </a:r>
+          </a:p>
+        </p:txBody>
+      </p:sp>
+      <p:sp>
+        <p:nvSpPr>
+          <p:cNvPr id="6" name="ZoneTexte 5">
+            <a:extLst>
+              <a:ext uri="{FF2B5EF4-FFF2-40B4-BE49-F238E27FC236}">
+                <a16:creationId xmlns:a16="http://schemas.microsoft.com/office/drawing/2014/main" id="{3A9E2382-E8B0-4C9E-9F64-1E308313F775}"/>
+              </a:ext>
+            </a:extLst>
+          </p:cNvPr>
+          <p:cNvSpPr txBox="1"/>
+          <p:nvPr/>
+        </p:nvSpPr>
+        <p:spPr>
+          <a:xfrm>
+            <a:off x="8714792" y="844113"/>
+            <a:ext cx="4655976" cy="2462213"/>
+          </a:xfrm>
+          <a:prstGeom prst="rect">
+            <a:avLst/>
+          </a:prstGeom>
+          <a:noFill/>
+        </p:spPr>
+        <p:txBody>
+          <a:bodyPr wrap="square" rtlCol="0">
+            <a:spAutoFit/>
+          </a:bodyPr>
+          <a:lstStyle/>
+          <a:p>
+            <a:r>
+              <a:rPr lang="fr-FR" sz="1400" dirty="0">
                 <a:latin typeface="Montserrat" panose="00000500000000000000" pitchFamily="2" charset="0"/>
-                <a:ea typeface="+mj-ea"/>
-                <a:cs typeface="+mj-cs"/>
               </a:rPr>
-              <a:t>) Mise en place de SASS</a:t>
-            </a:r>
-            <a:endParaRPr lang="fr-FR" dirty="0">
-              <a:solidFill>
-                <a:srgbClr val="9356DC"/>
-              </a:solidFill>
+              <a:t>Utilisation des balises sémantiques :</a:t>
+            </a:r>
+          </a:p>
+          <a:p>
+            <a:endParaRPr lang="fr-FR" sz="1400" dirty="0">
+              <a:latin typeface="Montserrat" panose="00000500000000000000" pitchFamily="2" charset="0"/>
             </a:endParaRPr>
+          </a:p>
+          <a:p>
+            <a:pPr marL="285750" indent="-285750">
+              <a:buFont typeface="Arial" panose="020B0604020202020204" pitchFamily="34" charset="0"/>
+              <a:buChar char="•"/>
+            </a:pPr>
+            <a:r>
+              <a:rPr lang="fr-FR" sz="1400" dirty="0">
+                <a:latin typeface="Montserrat" panose="00000500000000000000" pitchFamily="2" charset="0"/>
+              </a:rPr>
+              <a:t>Header</a:t>
+            </a:r>
+          </a:p>
+          <a:p>
+            <a:pPr marL="285750" indent="-285750">
+              <a:buFont typeface="Arial" panose="020B0604020202020204" pitchFamily="34" charset="0"/>
+              <a:buChar char="•"/>
+            </a:pPr>
+            <a:endParaRPr lang="fr-FR" sz="1400" dirty="0">
+              <a:latin typeface="Montserrat" panose="00000500000000000000" pitchFamily="2" charset="0"/>
+            </a:endParaRPr>
+          </a:p>
+          <a:p>
+            <a:pPr marL="285750" indent="-285750">
+              <a:buFont typeface="Arial" panose="020B0604020202020204" pitchFamily="34" charset="0"/>
+              <a:buChar char="•"/>
+            </a:pPr>
+            <a:r>
+              <a:rPr lang="fr-FR" sz="1400" dirty="0">
+                <a:latin typeface="Montserrat" panose="00000500000000000000" pitchFamily="2" charset="0"/>
+              </a:rPr>
+              <a:t>Body</a:t>
+            </a:r>
+          </a:p>
+          <a:p>
+            <a:pPr marL="285750" indent="-285750">
+              <a:buFont typeface="Arial" panose="020B0604020202020204" pitchFamily="34" charset="0"/>
+              <a:buChar char="•"/>
+            </a:pPr>
+            <a:endParaRPr lang="fr-FR" sz="1400" dirty="0">
+              <a:latin typeface="Montserrat" panose="00000500000000000000" pitchFamily="2" charset="0"/>
+            </a:endParaRPr>
+          </a:p>
+          <a:p>
+            <a:pPr marL="285750" indent="-285750">
+              <a:buFont typeface="Arial" panose="020B0604020202020204" pitchFamily="34" charset="0"/>
+              <a:buChar char="•"/>
+            </a:pPr>
+            <a:r>
+              <a:rPr lang="fr-FR" sz="1400" dirty="0">
+                <a:latin typeface="Montserrat" panose="00000500000000000000" pitchFamily="2" charset="0"/>
+              </a:rPr>
+              <a:t>Main</a:t>
+            </a:r>
+          </a:p>
+          <a:p>
+            <a:pPr marL="285750" indent="-285750">
+              <a:buFont typeface="Arial" panose="020B0604020202020204" pitchFamily="34" charset="0"/>
+              <a:buChar char="•"/>
+            </a:pPr>
+            <a:endParaRPr lang="fr-FR" sz="1400" dirty="0">
+              <a:latin typeface="Montserrat" panose="00000500000000000000" pitchFamily="2" charset="0"/>
+            </a:endParaRPr>
+          </a:p>
+          <a:p>
+            <a:pPr marL="285750" indent="-285750">
+              <a:buFont typeface="Arial" panose="020B0604020202020204" pitchFamily="34" charset="0"/>
+              <a:buChar char="•"/>
+            </a:pPr>
+            <a:r>
+              <a:rPr lang="fr-FR" sz="1400" dirty="0">
+                <a:latin typeface="Montserrat" panose="00000500000000000000" pitchFamily="2" charset="0"/>
+              </a:rPr>
+              <a:t>Section</a:t>
+            </a:r>
+          </a:p>
+          <a:p>
+            <a:pPr marL="285750" indent="-285750">
+              <a:buFont typeface="Arial" panose="020B0604020202020204" pitchFamily="34" charset="0"/>
+              <a:buChar char="•"/>
+            </a:pPr>
+            <a:endParaRPr lang="fr-FR" sz="1400" dirty="0">
+              <a:latin typeface="Montserrat" panose="00000500000000000000" pitchFamily="2" charset="0"/>
+            </a:endParaRPr>
+          </a:p>
+          <a:p>
+            <a:pPr marL="285750" indent="-285750">
+              <a:buFont typeface="Arial" panose="020B0604020202020204" pitchFamily="34" charset="0"/>
+              <a:buChar char="•"/>
+            </a:pPr>
+            <a:r>
+              <a:rPr lang="fr-FR" sz="1400" dirty="0">
+                <a:latin typeface="Montserrat" panose="00000500000000000000" pitchFamily="2" charset="0"/>
+              </a:rPr>
+              <a:t>Footer</a:t>
+            </a:r>
           </a:p>
         </p:txBody>
       </p:sp>
       <p:pic>
         <p:nvPicPr>
-          <p:cNvPr id="7" name="Espace réservé du contenu 6" descr="Une image contenant texte&#10;&#10;Description générée automatiquement">
-            <a:extLst>
-              <a:ext uri="{FF2B5EF4-FFF2-40B4-BE49-F238E27FC236}">
-                <a16:creationId xmlns:a16="http://schemas.microsoft.com/office/drawing/2014/main" id="{B0319C7A-D084-436F-B14D-EEDEDB8B69BD}"/>
+          <p:cNvPr id="9" name="Espace réservé du contenu 8">
+            <a:extLst>
+              <a:ext uri="{FF2B5EF4-FFF2-40B4-BE49-F238E27FC236}">
+                <a16:creationId xmlns:a16="http://schemas.microsoft.com/office/drawing/2014/main" id="{9CB089B3-3224-4B3B-9D9B-9DB34ED15F7A}"/>
               </a:ext>
             </a:extLst>
           </p:cNvPr>
@@ -5959,54 +6211,17 @@
         </p:blipFill>
         <p:spPr>
           <a:xfrm>
-            <a:off x="6911284" y="1306015"/>
-            <a:ext cx="1787200" cy="4619549"/>
+            <a:off x="850620" y="844113"/>
+            <a:ext cx="2962013" cy="5721777"/>
           </a:xfrm>
         </p:spPr>
       </p:pic>
-      <p:sp>
-        <p:nvSpPr>
-          <p:cNvPr id="8" name="ZoneTexte 7">
-            <a:extLst>
-              <a:ext uri="{FF2B5EF4-FFF2-40B4-BE49-F238E27FC236}">
-                <a16:creationId xmlns:a16="http://schemas.microsoft.com/office/drawing/2014/main" id="{CF4B67D6-657A-443C-B078-7AC7752FB8F6}"/>
-              </a:ext>
-            </a:extLst>
-          </p:cNvPr>
-          <p:cNvSpPr txBox="1"/>
-          <p:nvPr/>
-        </p:nvSpPr>
-        <p:spPr>
-          <a:xfrm>
-            <a:off x="8941550" y="1306015"/>
-            <a:ext cx="3819970" cy="523220"/>
-          </a:xfrm>
-          <a:prstGeom prst="rect">
-            <a:avLst/>
-          </a:prstGeom>
-          <a:noFill/>
-        </p:spPr>
-        <p:txBody>
-          <a:bodyPr wrap="square" rtlCol="0">
-            <a:spAutoFit/>
-          </a:bodyPr>
-          <a:lstStyle/>
-          <a:p>
-            <a:r>
-              <a:rPr lang="fr-FR" sz="1400" dirty="0">
-                <a:latin typeface="Montserrat" panose="00000500000000000000" pitchFamily="2" charset="0"/>
-              </a:rPr>
-              <a:t>-Utilisation du système 7-1 pour catégoriser les fichiers Sass</a:t>
-            </a:r>
-          </a:p>
-        </p:txBody>
-      </p:sp>
       <p:pic>
         <p:nvPicPr>
-          <p:cNvPr id="10" name="Image 9">
-            <a:extLst>
-              <a:ext uri="{FF2B5EF4-FFF2-40B4-BE49-F238E27FC236}">
-                <a16:creationId xmlns:a16="http://schemas.microsoft.com/office/drawing/2014/main" id="{65A9989D-AEE1-4499-8333-52A01BCE916C}"/>
+          <p:cNvPr id="11" name="Image 10">
+            <a:extLst>
+              <a:ext uri="{FF2B5EF4-FFF2-40B4-BE49-F238E27FC236}">
+                <a16:creationId xmlns:a16="http://schemas.microsoft.com/office/drawing/2014/main" id="{3080EC19-A50E-4B6E-873E-3CAC371FD196}"/>
               </a:ext>
             </a:extLst>
           </p:cNvPr>
@@ -6029,141 +6244,18 @@
         </p:blipFill>
         <p:spPr>
           <a:xfrm>
-            <a:off x="838200" y="1306015"/>
-            <a:ext cx="1847162" cy="1383588"/>
+            <a:off x="4311115" y="844113"/>
+            <a:ext cx="4151750" cy="5718448"/>
           </a:xfrm>
           <a:prstGeom prst="rect">
             <a:avLst/>
           </a:prstGeom>
         </p:spPr>
       </p:pic>
-      <p:sp>
-        <p:nvSpPr>
-          <p:cNvPr id="11" name="ZoneTexte 10">
-            <a:extLst>
-              <a:ext uri="{FF2B5EF4-FFF2-40B4-BE49-F238E27FC236}">
-                <a16:creationId xmlns:a16="http://schemas.microsoft.com/office/drawing/2014/main" id="{F27BB97E-692B-4DBE-A293-AA9EA932C92E}"/>
-              </a:ext>
-            </a:extLst>
-          </p:cNvPr>
-          <p:cNvSpPr txBox="1"/>
-          <p:nvPr/>
-        </p:nvSpPr>
-        <p:spPr>
-          <a:xfrm>
-            <a:off x="2877703" y="1306015"/>
-            <a:ext cx="3554963" cy="1384995"/>
-          </a:xfrm>
-          <a:prstGeom prst="rect">
-            <a:avLst/>
-          </a:prstGeom>
-          <a:noFill/>
-        </p:spPr>
-        <p:txBody>
-          <a:bodyPr wrap="square" rtlCol="0">
-            <a:spAutoFit/>
-          </a:bodyPr>
-          <a:lstStyle/>
-          <a:p>
-            <a:r>
-              <a:rPr lang="fr-FR" sz="1400" dirty="0">
-                <a:latin typeface="Montserrat" panose="00000500000000000000" pitchFamily="2" charset="0"/>
-              </a:rPr>
-              <a:t>-Utilisation de Sass car c’est une écriture plus simplifiée, davantage organisée et mieux optimisée</a:t>
-            </a:r>
-          </a:p>
-          <a:p>
-            <a:endParaRPr lang="fr-FR" sz="1400" dirty="0">
-              <a:latin typeface="Montserrat" panose="00000500000000000000" pitchFamily="2" charset="0"/>
-            </a:endParaRPr>
-          </a:p>
-          <a:p>
-            <a:r>
-              <a:rPr lang="fr-FR" sz="1400" dirty="0">
-                <a:latin typeface="Montserrat" panose="00000500000000000000" pitchFamily="2" charset="0"/>
-              </a:rPr>
-              <a:t>-Cela rend le travail plus agréable et plus fluide</a:t>
-            </a:r>
-          </a:p>
-        </p:txBody>
-      </p:sp>
-      <p:pic>
-        <p:nvPicPr>
-          <p:cNvPr id="14" name="Image 13" descr="Une image contenant texte&#10;&#10;Description générée automatiquement">
-            <a:extLst>
-              <a:ext uri="{FF2B5EF4-FFF2-40B4-BE49-F238E27FC236}">
-                <a16:creationId xmlns:a16="http://schemas.microsoft.com/office/drawing/2014/main" id="{F117D128-C8E8-40FE-8B9D-F372E2DA627C}"/>
-              </a:ext>
-            </a:extLst>
-          </p:cNvPr>
-          <p:cNvPicPr>
-            <a:picLocks noChangeAspect="1"/>
-          </p:cNvPicPr>
-          <p:nvPr/>
-        </p:nvPicPr>
-        <p:blipFill>
-          <a:blip r:embed="rId4">
-            <a:extLst>
-              <a:ext uri="{28A0092B-C50C-407E-A947-70E740481C1C}">
-                <a14:useLocalDpi xmlns:a14="http://schemas.microsoft.com/office/drawing/2010/main" val="0"/>
-              </a:ext>
-            </a:extLst>
-          </a:blip>
-          <a:stretch>
-            <a:fillRect/>
-          </a:stretch>
-        </p:blipFill>
-        <p:spPr>
-          <a:xfrm>
-            <a:off x="838200" y="3525606"/>
-            <a:ext cx="4004207" cy="1061265"/>
-          </a:xfrm>
-          <a:prstGeom prst="rect">
-            <a:avLst/>
-          </a:prstGeom>
-        </p:spPr>
-      </p:pic>
-      <p:sp>
-        <p:nvSpPr>
-          <p:cNvPr id="15" name="ZoneTexte 14">
-            <a:extLst>
-              <a:ext uri="{FF2B5EF4-FFF2-40B4-BE49-F238E27FC236}">
-                <a16:creationId xmlns:a16="http://schemas.microsoft.com/office/drawing/2014/main" id="{EF2A45A0-454E-4C62-98F5-0997D9CD11D3}"/>
-              </a:ext>
-            </a:extLst>
-          </p:cNvPr>
-          <p:cNvSpPr txBox="1"/>
-          <p:nvPr/>
-        </p:nvSpPr>
-        <p:spPr>
-          <a:xfrm>
-            <a:off x="737532" y="4876508"/>
-            <a:ext cx="4406569" cy="738664"/>
-          </a:xfrm>
-          <a:prstGeom prst="rect">
-            <a:avLst/>
-          </a:prstGeom>
-          <a:noFill/>
-        </p:spPr>
-        <p:txBody>
-          <a:bodyPr wrap="square" rtlCol="0">
-            <a:spAutoFit/>
-          </a:bodyPr>
-          <a:lstStyle/>
-          <a:p>
-            <a:r>
-              <a:rPr lang="fr-FR" sz="1400" dirty="0">
-                <a:latin typeface="Montserrat" panose="00000500000000000000" pitchFamily="2" charset="0"/>
-              </a:rPr>
-              <a:t>Grâce a la commande « npm run sass » tout le code Sass enregistré est automatiquement compilé en CSS.</a:t>
-            </a:r>
-          </a:p>
-        </p:txBody>
-      </p:sp>
     </p:spTree>
     <p:extLst>
       <p:ext uri="{BB962C8B-B14F-4D97-AF65-F5344CB8AC3E}">
-        <p14:creationId xmlns:p14="http://schemas.microsoft.com/office/powerpoint/2010/main" val="2990815335"/>
+        <p14:creationId xmlns:p14="http://schemas.microsoft.com/office/powerpoint/2010/main" val="957695054"/>
       </p:ext>
     </p:extLst>
   </p:cSld>
@@ -6195,7 +6287,7 @@
           <p:cNvPr id="2" name="Titre 1">
             <a:extLst>
               <a:ext uri="{FF2B5EF4-FFF2-40B4-BE49-F238E27FC236}">
-                <a16:creationId xmlns:a16="http://schemas.microsoft.com/office/drawing/2014/main" id="{965E2A5F-0181-4CA8-B3B4-33DEC39A766D}"/>
+                <a16:creationId xmlns:a16="http://schemas.microsoft.com/office/drawing/2014/main" id="{85C30D5D-E9FE-4B5C-8F15-528AABB35912}"/>
               </a:ext>
             </a:extLst>
           </p:cNvPr>
@@ -6208,7 +6300,7 @@
         </p:nvSpPr>
         <p:spPr>
           <a:xfrm>
-            <a:off x="838200" y="-184558"/>
+            <a:off x="838200" y="-251670"/>
             <a:ext cx="10515600" cy="1325563"/>
           </a:xfrm>
         </p:spPr>
@@ -6231,16 +6323,7 @@
                 <a:ea typeface="+mj-ea"/>
                 <a:cs typeface="+mj-cs"/>
               </a:rPr>
-              <a:t>I. Les </a:t>
-            </a:r>
-            <a:r>
-              <a:rPr lang="fr-FR" sz="2400" b="1" dirty="0">
-                <a:solidFill>
-                  <a:srgbClr val="9356DC"/>
-                </a:solidFill>
-                <a:latin typeface="Montserrat" panose="00000500000000000000" pitchFamily="2" charset="0"/>
-              </a:rPr>
-              <a:t>points techniques du projet</a:t>
+              <a:t>I. Les points techniques du projet</a:t>
             </a:r>
             <a:br>
               <a:rPr kumimoji="0" lang="fr-FR" sz="2400" b="1" i="0" u="none" strike="noStrike" kern="1200" cap="none" spc="0" normalizeH="0" baseline="0" noProof="0" dirty="0">
@@ -6290,7 +6373,7 @@
                 <a:ea typeface="+mj-ea"/>
                 <a:cs typeface="+mj-cs"/>
               </a:rPr>
-              <a:t>) Les animations / visuels</a:t>
+              <a:t>) Mise en place de SASS</a:t>
             </a:r>
             <a:endParaRPr lang="fr-FR" dirty="0">
               <a:solidFill>
@@ -6300,240 +6383,21 @@
           </a:p>
         </p:txBody>
       </p:sp>
-      <p:sp>
-        <p:nvSpPr>
-          <p:cNvPr id="8" name="Espace réservé du contenu 7">
-            <a:extLst>
-              <a:ext uri="{FF2B5EF4-FFF2-40B4-BE49-F238E27FC236}">
-                <a16:creationId xmlns:a16="http://schemas.microsoft.com/office/drawing/2014/main" id="{D9B7C94D-0FFC-499A-9B2E-E48DC78A6341}"/>
-              </a:ext>
-            </a:extLst>
-          </p:cNvPr>
-          <p:cNvSpPr>
-            <a:spLocks noGrp="1"/>
-          </p:cNvSpPr>
+      <p:pic>
+        <p:nvPicPr>
+          <p:cNvPr id="7" name="Espace réservé du contenu 6" descr="Une image contenant texte&#10;&#10;Description générée automatiquement">
+            <a:extLst>
+              <a:ext uri="{FF2B5EF4-FFF2-40B4-BE49-F238E27FC236}">
+                <a16:creationId xmlns:a16="http://schemas.microsoft.com/office/drawing/2014/main" id="{B0319C7A-D084-436F-B14D-EEDEDB8B69BD}"/>
+              </a:ext>
+            </a:extLst>
+          </p:cNvPr>
+          <p:cNvPicPr>
+            <a:picLocks noGrp="1" noChangeAspect="1"/>
+          </p:cNvPicPr>
           <p:nvPr>
             <p:ph idx="1"/>
           </p:nvPr>
-        </p:nvSpPr>
-        <p:spPr>
-          <a:xfrm>
-            <a:off x="838200" y="1325563"/>
-            <a:ext cx="10515600" cy="4465609"/>
-          </a:xfrm>
-        </p:spPr>
-        <p:txBody>
-          <a:bodyPr>
-            <a:normAutofit/>
-          </a:bodyPr>
-          <a:lstStyle/>
-          <a:p>
-            <a:pPr marL="0" indent="0">
-              <a:lnSpc>
-                <a:spcPct val="110000"/>
-              </a:lnSpc>
-              <a:buNone/>
-            </a:pPr>
-            <a:r>
-              <a:rPr lang="fr-FR" sz="1400" dirty="0">
-                <a:latin typeface="Montserrat" panose="00000500000000000000" pitchFamily="2" charset="0"/>
-              </a:rPr>
-              <a:t>-</a:t>
-            </a:r>
-            <a:r>
-              <a:rPr lang="fr-FR" sz="1600" dirty="0">
-                <a:latin typeface="Montserrat" panose="00000500000000000000" pitchFamily="2" charset="0"/>
-              </a:rPr>
-              <a:t>Ajout d’une favicon pour le projet</a:t>
-            </a:r>
-          </a:p>
-          <a:p>
-            <a:pPr marL="0" indent="0">
-              <a:lnSpc>
-                <a:spcPct val="110000"/>
-              </a:lnSpc>
-              <a:buNone/>
-            </a:pPr>
-            <a:endParaRPr lang="fr-FR" sz="1600" dirty="0">
-              <a:latin typeface="Montserrat" panose="00000500000000000000" pitchFamily="2" charset="0"/>
-            </a:endParaRPr>
-          </a:p>
-          <a:p>
-            <a:pPr marL="0" indent="0">
-              <a:lnSpc>
-                <a:spcPct val="110000"/>
-              </a:lnSpc>
-              <a:buNone/>
-            </a:pPr>
-            <a:r>
-              <a:rPr lang="fr-FR" sz="1600" dirty="0">
-                <a:latin typeface="Montserrat" panose="00000500000000000000" pitchFamily="2" charset="0"/>
-              </a:rPr>
-              <a:t>-Création d’un loader accordé a la charte graphique</a:t>
-            </a:r>
-          </a:p>
-          <a:p>
-            <a:pPr marL="0" indent="0">
-              <a:lnSpc>
-                <a:spcPct val="110000"/>
-              </a:lnSpc>
-              <a:buNone/>
-            </a:pPr>
-            <a:endParaRPr lang="fr-FR" sz="1600" dirty="0">
-              <a:latin typeface="Montserrat" panose="00000500000000000000" pitchFamily="2" charset="0"/>
-            </a:endParaRPr>
-          </a:p>
-          <a:p>
-            <a:pPr marL="0" indent="0">
-              <a:lnSpc>
-                <a:spcPct val="110000"/>
-              </a:lnSpc>
-              <a:buNone/>
-            </a:pPr>
-            <a:r>
-              <a:rPr lang="fr-FR" sz="1600" dirty="0">
-                <a:latin typeface="Montserrat" panose="00000500000000000000" pitchFamily="2" charset="0"/>
-              </a:rPr>
-              <a:t>-Animation du bouton « J’aime »</a:t>
-            </a:r>
-          </a:p>
-          <a:p>
-            <a:pPr marL="0" indent="0">
-              <a:lnSpc>
-                <a:spcPct val="110000"/>
-              </a:lnSpc>
-              <a:buNone/>
-            </a:pPr>
-            <a:endParaRPr lang="fr-FR" sz="1600" dirty="0">
-              <a:latin typeface="Montserrat" panose="00000500000000000000" pitchFamily="2" charset="0"/>
-            </a:endParaRPr>
-          </a:p>
-          <a:p>
-            <a:pPr marL="0" indent="0">
-              <a:lnSpc>
-                <a:spcPct val="110000"/>
-              </a:lnSpc>
-              <a:buNone/>
-            </a:pPr>
-            <a:r>
-              <a:rPr lang="fr-FR" sz="1600" dirty="0">
-                <a:latin typeface="Montserrat" panose="00000500000000000000" pitchFamily="2" charset="0"/>
-              </a:rPr>
-              <a:t>-Animation d’ajout de plat lors de la commande </a:t>
-            </a:r>
-          </a:p>
-          <a:p>
-            <a:pPr marL="0" indent="0">
-              <a:lnSpc>
-                <a:spcPct val="110000"/>
-              </a:lnSpc>
-              <a:buNone/>
-            </a:pPr>
-            <a:endParaRPr lang="fr-FR" sz="1600" dirty="0">
-              <a:latin typeface="Montserrat" panose="00000500000000000000" pitchFamily="2" charset="0"/>
-            </a:endParaRPr>
-          </a:p>
-          <a:p>
-            <a:pPr marL="0" indent="0">
-              <a:lnSpc>
-                <a:spcPct val="110000"/>
-              </a:lnSpc>
-              <a:buNone/>
-            </a:pPr>
-            <a:r>
-              <a:rPr lang="fr-FR" sz="1600" dirty="0">
-                <a:latin typeface="Montserrat" panose="00000500000000000000" pitchFamily="2" charset="0"/>
-              </a:rPr>
-              <a:t>-Apparition des plats progressives à l’arrivée sur la page </a:t>
-            </a:r>
-          </a:p>
-          <a:p>
-            <a:pPr marL="0" indent="0">
-              <a:lnSpc>
-                <a:spcPct val="110000"/>
-              </a:lnSpc>
-              <a:buNone/>
-            </a:pPr>
-            <a:endParaRPr lang="fr-FR" sz="1600" dirty="0">
-              <a:latin typeface="Montserrat" panose="00000500000000000000" pitchFamily="2" charset="0"/>
-            </a:endParaRPr>
-          </a:p>
-          <a:p>
-            <a:pPr marL="0" indent="0">
-              <a:lnSpc>
-                <a:spcPct val="110000"/>
-              </a:lnSpc>
-              <a:buNone/>
-            </a:pPr>
-            <a:r>
-              <a:rPr lang="fr-FR" sz="1600" dirty="0">
-                <a:latin typeface="Montserrat" panose="00000500000000000000" pitchFamily="2" charset="0"/>
-              </a:rPr>
-              <a:t>-Réduction et compression des images en 2 formats</a:t>
-            </a:r>
-          </a:p>
-          <a:p>
-            <a:pPr marL="0" indent="0">
-              <a:lnSpc>
-                <a:spcPct val="110000"/>
-              </a:lnSpc>
-              <a:buNone/>
-            </a:pPr>
-            <a:endParaRPr lang="fr-FR" sz="1600" b="1" dirty="0">
-              <a:latin typeface="Montserrat" panose="00000500000000000000" pitchFamily="2" charset="0"/>
-            </a:endParaRPr>
-          </a:p>
-          <a:p>
-            <a:pPr marL="0" indent="0">
-              <a:lnSpc>
-                <a:spcPct val="110000"/>
-              </a:lnSpc>
-              <a:buNone/>
-            </a:pPr>
-            <a:endParaRPr lang="fr-FR" sz="1600" b="1" dirty="0">
-              <a:latin typeface="Montserrat" panose="00000500000000000000" pitchFamily="2" charset="0"/>
-            </a:endParaRPr>
-          </a:p>
-          <a:p>
-            <a:pPr marL="0" indent="0">
-              <a:lnSpc>
-                <a:spcPct val="110000"/>
-              </a:lnSpc>
-              <a:buNone/>
-            </a:pPr>
-            <a:endParaRPr lang="fr-FR" sz="1600" dirty="0">
-              <a:latin typeface="Montserrat" panose="00000500000000000000" pitchFamily="2" charset="0"/>
-            </a:endParaRPr>
-          </a:p>
-          <a:p>
-            <a:pPr marL="0" indent="0">
-              <a:lnSpc>
-                <a:spcPct val="110000"/>
-              </a:lnSpc>
-              <a:buNone/>
-            </a:pPr>
-            <a:endParaRPr lang="fr-FR" sz="1600" b="1" dirty="0">
-              <a:latin typeface="Montserrat" panose="00000500000000000000" pitchFamily="2" charset="0"/>
-            </a:endParaRPr>
-          </a:p>
-          <a:p>
-            <a:endParaRPr lang="fr-FR" dirty="0"/>
-          </a:p>
-        </p:txBody>
-      </p:sp>
-      <p:pic>
-        <p:nvPicPr>
-          <p:cNvPr id="6" name="Image 5">
-            <a:extLst>
-              <a:ext uri="{FF2B5EF4-FFF2-40B4-BE49-F238E27FC236}">
-                <a16:creationId xmlns:a16="http://schemas.microsoft.com/office/drawing/2014/main" id="{7FFC9714-8363-4148-B3A8-4D212E407D63}"/>
-              </a:ext>
-            </a:extLst>
-          </p:cNvPr>
-          <p:cNvPicPr>
-            <a:picLocks noChangeAspect="1"/>
-          </p:cNvPicPr>
-          <p:nvPr/>
         </p:nvPicPr>
         <p:blipFill>
           <a:blip r:embed="rId2">
@@ -6549,20 +6413,75 @@
         </p:blipFill>
         <p:spPr>
           <a:xfrm>
-            <a:off x="4547532" y="1325563"/>
-            <a:ext cx="377691" cy="377691"/>
+            <a:off x="6911284" y="1306015"/>
+            <a:ext cx="1787200" cy="4619549"/>
+          </a:xfrm>
+        </p:spPr>
+      </p:pic>
+      <p:sp>
+        <p:nvSpPr>
+          <p:cNvPr id="8" name="ZoneTexte 7">
+            <a:extLst>
+              <a:ext uri="{FF2B5EF4-FFF2-40B4-BE49-F238E27FC236}">
+                <a16:creationId xmlns:a16="http://schemas.microsoft.com/office/drawing/2014/main" id="{CF4B67D6-657A-443C-B078-7AC7752FB8F6}"/>
+              </a:ext>
+            </a:extLst>
+          </p:cNvPr>
+          <p:cNvSpPr txBox="1"/>
+          <p:nvPr/>
+        </p:nvSpPr>
+        <p:spPr>
+          <a:xfrm>
+            <a:off x="8857376" y="1306015"/>
+            <a:ext cx="3819970" cy="1169551"/>
           </a:xfrm>
           <a:prstGeom prst="rect">
             <a:avLst/>
           </a:prstGeom>
+          <a:noFill/>
         </p:spPr>
-      </p:pic>
+        <p:txBody>
+          <a:bodyPr wrap="square" rtlCol="0">
+            <a:spAutoFit/>
+          </a:bodyPr>
+          <a:lstStyle/>
+          <a:p>
+            <a:r>
+              <a:rPr lang="fr-FR" sz="1400" dirty="0">
+                <a:latin typeface="Montserrat" panose="00000500000000000000" pitchFamily="2" charset="0"/>
+              </a:rPr>
+              <a:t>-Utilisation du système 7-1 pour catégoriser les fichiers Sass</a:t>
+            </a:r>
+          </a:p>
+          <a:p>
+            <a:endParaRPr lang="fr-FR" sz="1400" dirty="0">
+              <a:latin typeface="Montserrat" panose="00000500000000000000" pitchFamily="2" charset="0"/>
+            </a:endParaRPr>
+          </a:p>
+          <a:p>
+            <a:r>
+              <a:rPr lang="fr-FR" sz="1400" dirty="0">
+                <a:latin typeface="Montserrat" panose="00000500000000000000" pitchFamily="2" charset="0"/>
+              </a:rPr>
+              <a:t>-Permet de mieux ranger ses </a:t>
+            </a:r>
+          </a:p>
+          <a:p>
+            <a:r>
+              <a:rPr lang="fr-FR" sz="1400" dirty="0">
+                <a:latin typeface="Montserrat" panose="00000500000000000000" pitchFamily="2" charset="0"/>
+              </a:rPr>
+              <a:t>fichiers Sass</a:t>
+            </a:r>
+          </a:p>
+        </p:txBody>
+      </p:sp>
       <p:pic>
         <p:nvPicPr>
-          <p:cNvPr id="13" name="Image 12" descr="Une image contenant flèche&#10;&#10;Description générée automatiquement">
-            <a:extLst>
-              <a:ext uri="{FF2B5EF4-FFF2-40B4-BE49-F238E27FC236}">
-                <a16:creationId xmlns:a16="http://schemas.microsoft.com/office/drawing/2014/main" id="{BD2887E1-387C-49B1-8CE2-E87D120AEE16}"/>
+          <p:cNvPr id="10" name="Image 9">
+            <a:extLst>
+              <a:ext uri="{FF2B5EF4-FFF2-40B4-BE49-F238E27FC236}">
+                <a16:creationId xmlns:a16="http://schemas.microsoft.com/office/drawing/2014/main" id="{65A9989D-AEE1-4499-8333-52A01BCE916C}"/>
               </a:ext>
             </a:extLst>
           </p:cNvPr>
@@ -6585,20 +6504,70 @@
         </p:blipFill>
         <p:spPr>
           <a:xfrm>
-            <a:off x="4398557" y="2888384"/>
-            <a:ext cx="377691" cy="370285"/>
+            <a:off x="838200" y="1306015"/>
+            <a:ext cx="1847162" cy="1383588"/>
           </a:xfrm>
           <a:prstGeom prst="rect">
             <a:avLst/>
           </a:prstGeom>
         </p:spPr>
       </p:pic>
+      <p:sp>
+        <p:nvSpPr>
+          <p:cNvPr id="11" name="ZoneTexte 10">
+            <a:extLst>
+              <a:ext uri="{FF2B5EF4-FFF2-40B4-BE49-F238E27FC236}">
+                <a16:creationId xmlns:a16="http://schemas.microsoft.com/office/drawing/2014/main" id="{F27BB97E-692B-4DBE-A293-AA9EA932C92E}"/>
+              </a:ext>
+            </a:extLst>
+          </p:cNvPr>
+          <p:cNvSpPr txBox="1"/>
+          <p:nvPr/>
+        </p:nvSpPr>
+        <p:spPr>
+          <a:xfrm>
+            <a:off x="2877703" y="1306015"/>
+            <a:ext cx="3554963" cy="1384995"/>
+          </a:xfrm>
+          <a:prstGeom prst="rect">
+            <a:avLst/>
+          </a:prstGeom>
+          <a:noFill/>
+        </p:spPr>
+        <p:txBody>
+          <a:bodyPr wrap="square" rtlCol="0">
+            <a:spAutoFit/>
+          </a:bodyPr>
+          <a:lstStyle/>
+          <a:p>
+            <a:r>
+              <a:rPr lang="fr-FR" sz="1400" dirty="0">
+                <a:latin typeface="Montserrat" panose="00000500000000000000" pitchFamily="2" charset="0"/>
+              </a:rPr>
+              <a:t>-Utilisation de Sass car c’est une écriture plus simplifiée, davantage organisée et mieux optimisée</a:t>
+            </a:r>
+          </a:p>
+          <a:p>
+            <a:endParaRPr lang="fr-FR" sz="1400" dirty="0">
+              <a:latin typeface="Montserrat" panose="00000500000000000000" pitchFamily="2" charset="0"/>
+            </a:endParaRPr>
+          </a:p>
+          <a:p>
+            <a:r>
+              <a:rPr lang="fr-FR" sz="1400" dirty="0">
+                <a:latin typeface="Montserrat" panose="00000500000000000000" pitchFamily="2" charset="0"/>
+              </a:rPr>
+              <a:t>-Cela rend le travail plus agréable et plus fluide</a:t>
+            </a:r>
+          </a:p>
+        </p:txBody>
+      </p:sp>
       <p:pic>
         <p:nvPicPr>
-          <p:cNvPr id="15" name="Image 14">
-            <a:extLst>
-              <a:ext uri="{FF2B5EF4-FFF2-40B4-BE49-F238E27FC236}">
-                <a16:creationId xmlns:a16="http://schemas.microsoft.com/office/drawing/2014/main" id="{17E5C82C-91EC-42D5-941E-2E35AA3EBA28}"/>
+          <p:cNvPr id="14" name="Image 13" descr="Une image contenant texte&#10;&#10;Description générée automatiquement">
+            <a:extLst>
+              <a:ext uri="{FF2B5EF4-FFF2-40B4-BE49-F238E27FC236}">
+                <a16:creationId xmlns:a16="http://schemas.microsoft.com/office/drawing/2014/main" id="{F117D128-C8E8-40FE-8B9D-F372E2DA627C}"/>
               </a:ext>
             </a:extLst>
           </p:cNvPr>
@@ -6621,8 +6590,8 @@
         </p:blipFill>
         <p:spPr>
           <a:xfrm>
-            <a:off x="5114085" y="2900911"/>
-            <a:ext cx="377691" cy="377691"/>
+            <a:off x="838200" y="3525606"/>
+            <a:ext cx="4004207" cy="1061265"/>
           </a:xfrm>
           <a:prstGeom prst="rect">
             <a:avLst/>
@@ -6631,10 +6600,10 @@
       </p:pic>
       <p:sp>
         <p:nvSpPr>
-          <p:cNvPr id="16" name="ZoneTexte 15">
-            <a:extLst>
-              <a:ext uri="{FF2B5EF4-FFF2-40B4-BE49-F238E27FC236}">
-                <a16:creationId xmlns:a16="http://schemas.microsoft.com/office/drawing/2014/main" id="{0307E80E-1A1D-4047-9215-3C993301BCA5}"/>
+          <p:cNvPr id="15" name="ZoneTexte 14">
+            <a:extLst>
+              <a:ext uri="{FF2B5EF4-FFF2-40B4-BE49-F238E27FC236}">
+                <a16:creationId xmlns:a16="http://schemas.microsoft.com/office/drawing/2014/main" id="{EF2A45A0-454E-4C62-98F5-0997D9CD11D3}"/>
               </a:ext>
             </a:extLst>
           </p:cNvPr>
@@ -6643,8 +6612,8 @@
         </p:nvSpPr>
         <p:spPr>
           <a:xfrm>
-            <a:off x="4736377" y="2880978"/>
-            <a:ext cx="528507" cy="370285"/>
+            <a:off x="737532" y="4876508"/>
+            <a:ext cx="4406569" cy="738664"/>
           </a:xfrm>
           <a:prstGeom prst="rect">
             <a:avLst/>
@@ -6657,134 +6626,19 @@
           </a:bodyPr>
           <a:lstStyle/>
           <a:p>
-            <a:pPr marL="0" marR="0" lvl="0" indent="0" algn="l" defTabSz="914400" rtl="0" eaLnBrk="1" fontAlgn="auto" latinLnBrk="0" hangingPunct="1">
-              <a:lnSpc>
-                <a:spcPct val="100000"/>
-              </a:lnSpc>
-              <a:spcBef>
-                <a:spcPts val="0"/>
-              </a:spcBef>
-              <a:spcAft>
-                <a:spcPts val="0"/>
-              </a:spcAft>
-              <a:buClrTx/>
-              <a:buSzTx/>
-              <a:buFontTx/>
-              <a:buNone/>
-              <a:tabLst/>
-              <a:defRPr/>
-            </a:pPr>
-            <a:r>
-              <a:rPr kumimoji="0" lang="fr-FR" sz="1800" b="0" i="0" u="none" strike="noStrike" kern="1200" cap="none" spc="0" normalizeH="0" baseline="0" noProof="0" dirty="0">
-                <a:ln>
-                  <a:noFill/>
-                </a:ln>
-                <a:solidFill>
-                  <a:prstClr val="black"/>
-                </a:solidFill>
-                <a:effectLst/>
-                <a:uLnTx/>
-                <a:uFillTx/>
-                <a:latin typeface="Calibri" panose="020F0502020204030204"/>
-                <a:ea typeface="+mn-ea"/>
-                <a:cs typeface="+mn-cs"/>
-                <a:sym typeface="Wingdings" panose="05000000000000000000" pitchFamily="2" charset="2"/>
+            <a:r>
+              <a:rPr lang="fr-FR" sz="1400" dirty="0">
+                <a:latin typeface="Montserrat" panose="00000500000000000000" pitchFamily="2" charset="0"/>
               </a:rPr>
-              <a:t></a:t>
-            </a:r>
-            <a:endParaRPr kumimoji="0" lang="fr-FR" sz="1800" b="0" i="0" u="none" strike="noStrike" kern="1200" cap="none" spc="0" normalizeH="0" baseline="0" noProof="0" dirty="0">
-              <a:ln>
-                <a:noFill/>
-              </a:ln>
-              <a:solidFill>
-                <a:prstClr val="black"/>
-              </a:solidFill>
-              <a:effectLst/>
-              <a:uLnTx/>
-              <a:uFillTx/>
-              <a:latin typeface="Calibri" panose="020F0502020204030204"/>
-              <a:ea typeface="+mn-ea"/>
-              <a:cs typeface="+mn-cs"/>
-            </a:endParaRPr>
-          </a:p>
-        </p:txBody>
-      </p:sp>
-      <p:pic>
-        <p:nvPicPr>
-          <p:cNvPr id="7" name="Image 6">
-            <a:extLst>
-              <a:ext uri="{FF2B5EF4-FFF2-40B4-BE49-F238E27FC236}">
-                <a16:creationId xmlns:a16="http://schemas.microsoft.com/office/drawing/2014/main" id="{1446BF77-A158-4C5E-AF71-6359AD666E6D}"/>
-              </a:ext>
-            </a:extLst>
-          </p:cNvPr>
-          <p:cNvPicPr>
-            <a:picLocks noChangeAspect="1"/>
-          </p:cNvPicPr>
-          <p:nvPr/>
-        </p:nvPicPr>
-        <p:blipFill>
-          <a:blip r:embed="rId5">
-            <a:extLst>
-              <a:ext uri="{28A0092B-C50C-407E-A947-70E740481C1C}">
-                <a14:useLocalDpi xmlns:a14="http://schemas.microsoft.com/office/drawing/2010/main" val="0"/>
-              </a:ext>
-            </a:extLst>
-          </a:blip>
-          <a:stretch>
-            <a:fillRect/>
-          </a:stretch>
-        </p:blipFill>
-        <p:spPr>
-          <a:xfrm>
-            <a:off x="6293835" y="1723490"/>
-            <a:ext cx="1343212" cy="1162212"/>
-          </a:xfrm>
-          <a:prstGeom prst="rect">
-            <a:avLst/>
-          </a:prstGeom>
-        </p:spPr>
-      </p:pic>
-      <p:pic>
-        <p:nvPicPr>
-          <p:cNvPr id="10" name="Image 9" descr="Une image contenant texte&#10;&#10;Description générée automatiquement">
-            <a:extLst>
-              <a:ext uri="{FF2B5EF4-FFF2-40B4-BE49-F238E27FC236}">
-                <a16:creationId xmlns:a16="http://schemas.microsoft.com/office/drawing/2014/main" id="{1324F4B5-B331-4775-80D6-28C017A28FC4}"/>
-              </a:ext>
-            </a:extLst>
-          </p:cNvPr>
-          <p:cNvPicPr>
-            <a:picLocks noChangeAspect="1"/>
-          </p:cNvPicPr>
-          <p:nvPr/>
-        </p:nvPicPr>
-        <p:blipFill>
-          <a:blip r:embed="rId6">
-            <a:extLst>
-              <a:ext uri="{28A0092B-C50C-407E-A947-70E740481C1C}">
-                <a14:useLocalDpi xmlns:a14="http://schemas.microsoft.com/office/drawing/2010/main" val="0"/>
-              </a:ext>
-            </a:extLst>
-          </a:blip>
-          <a:stretch>
-            <a:fillRect/>
-          </a:stretch>
-        </p:blipFill>
-        <p:spPr>
-          <a:xfrm>
-            <a:off x="6096000" y="3558561"/>
-            <a:ext cx="2408913" cy="615678"/>
-          </a:xfrm>
-          <a:prstGeom prst="rect">
-            <a:avLst/>
-          </a:prstGeom>
-        </p:spPr>
-      </p:pic>
+              <a:t>Grâce a la commande « npm run sass » tout le code Sass enregistré est automatiquement compilé en CSS.</a:t>
+            </a:r>
+          </a:p>
+        </p:txBody>
+      </p:sp>
     </p:spTree>
     <p:extLst>
       <p:ext uri="{BB962C8B-B14F-4D97-AF65-F5344CB8AC3E}">
-        <p14:creationId xmlns:p14="http://schemas.microsoft.com/office/powerpoint/2010/main" val="1520961315"/>
+        <p14:creationId xmlns:p14="http://schemas.microsoft.com/office/powerpoint/2010/main" val="2990815335"/>
       </p:ext>
     </p:extLst>
   </p:cSld>
@@ -7134,6 +6988,43 @@
                 <a:latin typeface="Montserrat" panose="00000500000000000000" pitchFamily="2" charset="0"/>
               </a:rPr>
               <a:t>Page de menu</a:t>
+            </a:r>
+          </a:p>
+        </p:txBody>
+      </p:sp>
+      <p:sp>
+        <p:nvSpPr>
+          <p:cNvPr id="3" name="ZoneTexte 2">
+            <a:extLst>
+              <a:ext uri="{FF2B5EF4-FFF2-40B4-BE49-F238E27FC236}">
+                <a16:creationId xmlns:a16="http://schemas.microsoft.com/office/drawing/2014/main" id="{D1ED27EC-E14B-4388-8A9A-C5B6E0E3D89A}"/>
+              </a:ext>
+            </a:extLst>
+          </p:cNvPr>
+          <p:cNvSpPr txBox="1"/>
+          <p:nvPr/>
+        </p:nvSpPr>
+        <p:spPr>
+          <a:xfrm>
+            <a:off x="779477" y="6249798"/>
+            <a:ext cx="4462942" cy="307777"/>
+          </a:xfrm>
+          <a:prstGeom prst="rect">
+            <a:avLst/>
+          </a:prstGeom>
+          <a:noFill/>
+        </p:spPr>
+        <p:txBody>
+          <a:bodyPr wrap="square" rtlCol="0">
+            <a:spAutoFit/>
+          </a:bodyPr>
+          <a:lstStyle/>
+          <a:p>
+            <a:r>
+              <a:rPr lang="fr-FR" sz="1400" i="1" dirty="0">
+                <a:latin typeface="Montserrat" panose="00000500000000000000" pitchFamily="2" charset="0"/>
+              </a:rPr>
+              <a:t>Tiré d’un format Iphone 6/7/8</a:t>
             </a:r>
           </a:p>
         </p:txBody>
@@ -7722,6 +7613,43 @@
           </a:p>
         </p:txBody>
       </p:sp>
+      <p:sp>
+        <p:nvSpPr>
+          <p:cNvPr id="4" name="ZoneTexte 3">
+            <a:extLst>
+              <a:ext uri="{FF2B5EF4-FFF2-40B4-BE49-F238E27FC236}">
+                <a16:creationId xmlns:a16="http://schemas.microsoft.com/office/drawing/2014/main" id="{BE285158-E541-4C26-BDBC-0C2D80AAF1B4}"/>
+              </a:ext>
+            </a:extLst>
+          </p:cNvPr>
+          <p:cNvSpPr txBox="1"/>
+          <p:nvPr/>
+        </p:nvSpPr>
+        <p:spPr>
+          <a:xfrm>
+            <a:off x="4127383" y="6287538"/>
+            <a:ext cx="2862044" cy="307777"/>
+          </a:xfrm>
+          <a:prstGeom prst="rect">
+            <a:avLst/>
+          </a:prstGeom>
+          <a:noFill/>
+        </p:spPr>
+        <p:txBody>
+          <a:bodyPr wrap="square" rtlCol="0">
+            <a:spAutoFit/>
+          </a:bodyPr>
+          <a:lstStyle/>
+          <a:p>
+            <a:r>
+              <a:rPr lang="fr-FR" sz="1400" i="1" dirty="0">
+                <a:latin typeface="Montserrat" panose="00000500000000000000" pitchFamily="2" charset="0"/>
+              </a:rPr>
+              <a:t>Tiré d’un format Ipad</a:t>
+            </a:r>
+          </a:p>
+        </p:txBody>
+      </p:sp>
     </p:spTree>
     <p:extLst>
       <p:ext uri="{BB962C8B-B14F-4D97-AF65-F5344CB8AC3E}">
@@ -7757,7 +7685,7 @@
           <p:cNvPr id="2" name="Titre 1">
             <a:extLst>
               <a:ext uri="{FF2B5EF4-FFF2-40B4-BE49-F238E27FC236}">
-                <a16:creationId xmlns:a16="http://schemas.microsoft.com/office/drawing/2014/main" id="{4DDDF703-226F-4F65-B2C4-5985A968E06E}"/>
+                <a16:creationId xmlns:a16="http://schemas.microsoft.com/office/drawing/2014/main" id="{965E2A5F-0181-4CA8-B3B4-33DEC39A766D}"/>
               </a:ext>
             </a:extLst>
           </p:cNvPr>
@@ -7770,25 +7698,14 @@
         </p:nvSpPr>
         <p:spPr>
           <a:xfrm>
-            <a:off x="838200" y="-281314"/>
+            <a:off x="838200" y="-184558"/>
             <a:ext cx="10515600" cy="1325563"/>
           </a:xfrm>
         </p:spPr>
         <p:txBody>
-          <a:bodyPr>
-            <a:normAutofit/>
-          </a:bodyPr>
+          <a:bodyPr/>
           <a:lstStyle/>
           <a:p>
-            <a:r>
-              <a:rPr lang="fr-FR" sz="2400" b="1" dirty="0">
-                <a:solidFill>
-                  <a:srgbClr val="9356DC"/>
-                </a:solidFill>
-                <a:latin typeface="Montserrat" panose="00000500000000000000" pitchFamily="2" charset="0"/>
-              </a:rPr>
-              <a:t>I. </a:t>
-            </a:r>
             <a:r>
               <a:rPr kumimoji="0" lang="fr-FR" sz="2400" b="1" i="0" u="none" strike="noStrike" kern="1200" cap="none" spc="0" normalizeH="0" baseline="0" noProof="0" dirty="0">
                 <a:ln>
@@ -7804,7 +7721,7 @@
                 <a:ea typeface="+mj-ea"/>
                 <a:cs typeface="+mj-cs"/>
               </a:rPr>
-              <a:t>Les </a:t>
+              <a:t>I. Les </a:t>
             </a:r>
             <a:r>
               <a:rPr lang="fr-FR" sz="2400" b="1" dirty="0">
@@ -7816,11 +7733,19 @@
               <a:t>points techniques du projet</a:t>
             </a:r>
             <a:br>
-              <a:rPr lang="fr-FR" sz="2400" b="1" dirty="0">
+              <a:rPr kumimoji="0" lang="fr-FR" sz="2400" b="1" i="0" u="none" strike="noStrike" kern="1200" cap="none" spc="0" normalizeH="0" baseline="0" noProof="0" dirty="0">
+                <a:ln>
+                  <a:noFill/>
+                </a:ln>
                 <a:solidFill>
-                  <a:srgbClr val="0065FC"/>
+                  <a:srgbClr val="9356DC"/>
                 </a:solidFill>
+                <a:effectLst/>
+                <a:uLnTx/>
+                <a:uFillTx/>
                 <a:latin typeface="Montserrat" panose="00000500000000000000" pitchFamily="2" charset="0"/>
+                <a:ea typeface="+mj-ea"/>
+                <a:cs typeface="+mj-cs"/>
               </a:rPr>
             </a:br>
             <a:r>
@@ -7830,164 +7755,267 @@
                 </a:solidFill>
                 <a:latin typeface="Montserrat" panose="00000500000000000000" pitchFamily="2" charset="0"/>
               </a:rPr>
-              <a:t>g) Réalisation du plan de la maquette</a:t>
-            </a:r>
-          </a:p>
-        </p:txBody>
-      </p:sp>
-      <p:sp>
-        <p:nvSpPr>
-          <p:cNvPr id="6" name="ZoneTexte 5">
-            <a:extLst>
-              <a:ext uri="{FF2B5EF4-FFF2-40B4-BE49-F238E27FC236}">
-                <a16:creationId xmlns:a16="http://schemas.microsoft.com/office/drawing/2014/main" id="{3A9E2382-E8B0-4C9E-9F64-1E308313F775}"/>
-              </a:ext>
-            </a:extLst>
-          </p:cNvPr>
-          <p:cNvSpPr txBox="1"/>
-          <p:nvPr/>
+              <a:t>g</a:t>
+            </a:r>
+            <a:r>
+              <a:rPr kumimoji="0" lang="fr-FR" sz="1800" b="0" i="0" u="none" strike="noStrike" kern="1200" cap="none" spc="0" normalizeH="0" baseline="0" noProof="0" dirty="0">
+                <a:ln>
+                  <a:noFill/>
+                </a:ln>
+                <a:solidFill>
+                  <a:srgbClr val="9356DC"/>
+                </a:solidFill>
+                <a:effectLst/>
+                <a:uLnTx/>
+                <a:uFillTx/>
+                <a:latin typeface="Montserrat" panose="00000500000000000000" pitchFamily="2" charset="0"/>
+                <a:ea typeface="+mj-ea"/>
+                <a:cs typeface="+mj-cs"/>
+              </a:rPr>
+              <a:t>) Les animations / visuels</a:t>
+            </a:r>
+            <a:endParaRPr lang="fr-FR" dirty="0">
+              <a:solidFill>
+                <a:srgbClr val="9356DC"/>
+              </a:solidFill>
+            </a:endParaRPr>
+          </a:p>
+        </p:txBody>
+      </p:sp>
+      <p:sp>
+        <p:nvSpPr>
+          <p:cNvPr id="8" name="Espace réservé du contenu 7">
+            <a:extLst>
+              <a:ext uri="{FF2B5EF4-FFF2-40B4-BE49-F238E27FC236}">
+                <a16:creationId xmlns:a16="http://schemas.microsoft.com/office/drawing/2014/main" id="{D9B7C94D-0FFC-499A-9B2E-E48DC78A6341}"/>
+              </a:ext>
+            </a:extLst>
+          </p:cNvPr>
+          <p:cNvSpPr>
+            <a:spLocks noGrp="1"/>
+          </p:cNvSpPr>
+          <p:nvPr>
+            <p:ph idx="1"/>
+          </p:nvPr>
         </p:nvSpPr>
         <p:spPr>
           <a:xfrm>
-            <a:off x="8714792" y="844113"/>
-            <a:ext cx="4655976" cy="2462213"/>
+            <a:off x="838200" y="1325563"/>
+            <a:ext cx="10515600" cy="4465609"/>
           </a:xfrm>
-          <a:prstGeom prst="rect">
-            <a:avLst/>
-          </a:prstGeom>
-          <a:noFill/>
         </p:spPr>
         <p:txBody>
-          <a:bodyPr wrap="square" rtlCol="0">
-            <a:spAutoFit/>
+          <a:bodyPr>
+            <a:normAutofit/>
           </a:bodyPr>
           <a:lstStyle/>
           <a:p>
+            <a:pPr marL="0" indent="0">
+              <a:lnSpc>
+                <a:spcPct val="110000"/>
+              </a:lnSpc>
+              <a:buNone/>
+            </a:pPr>
             <a:r>
               <a:rPr lang="fr-FR" sz="1400" dirty="0">
                 <a:latin typeface="Montserrat" panose="00000500000000000000" pitchFamily="2" charset="0"/>
               </a:rPr>
-              <a:t>Utilisation des balises sémantiques :</a:t>
-            </a:r>
-          </a:p>
-          <a:p>
-            <a:endParaRPr lang="fr-FR" sz="1400" dirty="0">
+              <a:t>-</a:t>
+            </a:r>
+            <a:r>
+              <a:rPr lang="fr-FR" sz="1600" dirty="0">
+                <a:latin typeface="Montserrat" panose="00000500000000000000" pitchFamily="2" charset="0"/>
+              </a:rPr>
+              <a:t>Ajout d’une favicon pour le projet</a:t>
+            </a:r>
+          </a:p>
+          <a:p>
+            <a:pPr marL="0" indent="0">
+              <a:lnSpc>
+                <a:spcPct val="110000"/>
+              </a:lnSpc>
+              <a:buNone/>
+            </a:pPr>
+            <a:endParaRPr lang="fr-FR" sz="1600" dirty="0">
               <a:latin typeface="Montserrat" panose="00000500000000000000" pitchFamily="2" charset="0"/>
             </a:endParaRPr>
           </a:p>
           <a:p>
-            <a:pPr marL="285750" indent="-285750">
-              <a:buFont typeface="Arial" panose="020B0604020202020204" pitchFamily="34" charset="0"/>
-              <a:buChar char="•"/>
+            <a:pPr marL="0" indent="0">
+              <a:lnSpc>
+                <a:spcPct val="110000"/>
+              </a:lnSpc>
+              <a:buNone/>
             </a:pPr>
             <a:r>
-              <a:rPr lang="fr-FR" sz="1400" dirty="0">
+              <a:rPr lang="fr-FR" sz="1600" dirty="0">
                 <a:latin typeface="Montserrat" panose="00000500000000000000" pitchFamily="2" charset="0"/>
               </a:rPr>
-              <a:t>Header</a:t>
-            </a:r>
-          </a:p>
-          <a:p>
-            <a:pPr marL="285750" indent="-285750">
-              <a:buFont typeface="Arial" panose="020B0604020202020204" pitchFamily="34" charset="0"/>
-              <a:buChar char="•"/>
+              <a:t>-Création d’un loader accordé a la charte graphique</a:t>
+            </a:r>
+          </a:p>
+          <a:p>
+            <a:pPr marL="0" indent="0">
+              <a:lnSpc>
+                <a:spcPct val="110000"/>
+              </a:lnSpc>
+              <a:buNone/>
             </a:pPr>
-            <a:endParaRPr lang="fr-FR" sz="1400" dirty="0">
+            <a:endParaRPr lang="fr-FR" sz="1600" dirty="0">
               <a:latin typeface="Montserrat" panose="00000500000000000000" pitchFamily="2" charset="0"/>
             </a:endParaRPr>
           </a:p>
           <a:p>
-            <a:pPr marL="285750" indent="-285750">
-              <a:buFont typeface="Arial" panose="020B0604020202020204" pitchFamily="34" charset="0"/>
-              <a:buChar char="•"/>
+            <a:pPr marL="0" indent="0">
+              <a:lnSpc>
+                <a:spcPct val="110000"/>
+              </a:lnSpc>
+              <a:buNone/>
             </a:pPr>
             <a:r>
-              <a:rPr lang="fr-FR" sz="1400" dirty="0">
+              <a:rPr lang="fr-FR" sz="1600" dirty="0">
                 <a:latin typeface="Montserrat" panose="00000500000000000000" pitchFamily="2" charset="0"/>
               </a:rPr>
-              <a:t>Body</a:t>
-            </a:r>
-          </a:p>
-          <a:p>
-            <a:pPr marL="285750" indent="-285750">
-              <a:buFont typeface="Arial" panose="020B0604020202020204" pitchFamily="34" charset="0"/>
-              <a:buChar char="•"/>
+              <a:t>-Animation du bouton « J’aime »</a:t>
+            </a:r>
+          </a:p>
+          <a:p>
+            <a:pPr marL="0" indent="0">
+              <a:lnSpc>
+                <a:spcPct val="110000"/>
+              </a:lnSpc>
+              <a:buNone/>
             </a:pPr>
-            <a:endParaRPr lang="fr-FR" sz="1400" dirty="0">
+            <a:endParaRPr lang="fr-FR" sz="1600" dirty="0">
               <a:latin typeface="Montserrat" panose="00000500000000000000" pitchFamily="2" charset="0"/>
             </a:endParaRPr>
           </a:p>
           <a:p>
-            <a:pPr marL="285750" indent="-285750">
-              <a:buFont typeface="Arial" panose="020B0604020202020204" pitchFamily="34" charset="0"/>
-              <a:buChar char="•"/>
+            <a:pPr marL="0" indent="0">
+              <a:lnSpc>
+                <a:spcPct val="110000"/>
+              </a:lnSpc>
+              <a:buNone/>
             </a:pPr>
             <a:r>
-              <a:rPr lang="fr-FR" sz="1400" dirty="0">
+              <a:rPr lang="fr-FR" sz="1600" dirty="0">
                 <a:latin typeface="Montserrat" panose="00000500000000000000" pitchFamily="2" charset="0"/>
               </a:rPr>
-              <a:t>Main</a:t>
-            </a:r>
-          </a:p>
-          <a:p>
-            <a:pPr marL="285750" indent="-285750">
-              <a:buFont typeface="Arial" panose="020B0604020202020204" pitchFamily="34" charset="0"/>
-              <a:buChar char="•"/>
+              <a:t>-Animation d’ajout de plat lors de la commande </a:t>
+            </a:r>
+          </a:p>
+          <a:p>
+            <a:pPr marL="0" indent="0">
+              <a:lnSpc>
+                <a:spcPct val="110000"/>
+              </a:lnSpc>
+              <a:buNone/>
             </a:pPr>
-            <a:endParaRPr lang="fr-FR" sz="1400" dirty="0">
+            <a:endParaRPr lang="fr-FR" sz="1600" dirty="0">
               <a:latin typeface="Montserrat" panose="00000500000000000000" pitchFamily="2" charset="0"/>
             </a:endParaRPr>
           </a:p>
           <a:p>
-            <a:pPr marL="285750" indent="-285750">
-              <a:buFont typeface="Arial" panose="020B0604020202020204" pitchFamily="34" charset="0"/>
-              <a:buChar char="•"/>
+            <a:pPr marL="0" indent="0">
+              <a:lnSpc>
+                <a:spcPct val="110000"/>
+              </a:lnSpc>
+              <a:buNone/>
             </a:pPr>
             <a:r>
-              <a:rPr lang="fr-FR" sz="1400" dirty="0">
+              <a:rPr lang="fr-FR" sz="1600" dirty="0">
                 <a:latin typeface="Montserrat" panose="00000500000000000000" pitchFamily="2" charset="0"/>
               </a:rPr>
-              <a:t>Section</a:t>
-            </a:r>
-          </a:p>
-          <a:p>
-            <a:pPr marL="285750" indent="-285750">
-              <a:buFont typeface="Arial" panose="020B0604020202020204" pitchFamily="34" charset="0"/>
-              <a:buChar char="•"/>
+              <a:t>-Apparition des plats progressives à l’arrivée sur la page </a:t>
+            </a:r>
+          </a:p>
+          <a:p>
+            <a:pPr marL="0" indent="0">
+              <a:lnSpc>
+                <a:spcPct val="110000"/>
+              </a:lnSpc>
+              <a:buNone/>
             </a:pPr>
-            <a:endParaRPr lang="fr-FR" sz="1400" dirty="0">
+            <a:endParaRPr lang="fr-FR" sz="1600" dirty="0">
               <a:latin typeface="Montserrat" panose="00000500000000000000" pitchFamily="2" charset="0"/>
             </a:endParaRPr>
           </a:p>
           <a:p>
-            <a:pPr marL="285750" indent="-285750">
-              <a:buFont typeface="Arial" panose="020B0604020202020204" pitchFamily="34" charset="0"/>
-              <a:buChar char="•"/>
+            <a:pPr marL="0" indent="0">
+              <a:lnSpc>
+                <a:spcPct val="110000"/>
+              </a:lnSpc>
+              <a:buNone/>
             </a:pPr>
             <a:r>
-              <a:rPr lang="fr-FR" sz="1400" dirty="0">
+              <a:rPr lang="fr-FR" sz="1600" dirty="0">
                 <a:latin typeface="Montserrat" panose="00000500000000000000" pitchFamily="2" charset="0"/>
               </a:rPr>
-              <a:t>Footer</a:t>
-            </a:r>
+              <a:t>-Réduction et compression des images en 2 formats</a:t>
+            </a:r>
+          </a:p>
+          <a:p>
+            <a:pPr marL="0" indent="0">
+              <a:lnSpc>
+                <a:spcPct val="110000"/>
+              </a:lnSpc>
+              <a:buNone/>
+            </a:pPr>
+            <a:endParaRPr lang="fr-FR" sz="1600" b="1" dirty="0">
+              <a:latin typeface="Montserrat" panose="00000500000000000000" pitchFamily="2" charset="0"/>
+            </a:endParaRPr>
+          </a:p>
+          <a:p>
+            <a:pPr marL="0" indent="0">
+              <a:lnSpc>
+                <a:spcPct val="110000"/>
+              </a:lnSpc>
+              <a:buNone/>
+            </a:pPr>
+            <a:endParaRPr lang="fr-FR" sz="1600" b="1" dirty="0">
+              <a:latin typeface="Montserrat" panose="00000500000000000000" pitchFamily="2" charset="0"/>
+            </a:endParaRPr>
+          </a:p>
+          <a:p>
+            <a:pPr marL="0" indent="0">
+              <a:lnSpc>
+                <a:spcPct val="110000"/>
+              </a:lnSpc>
+              <a:buNone/>
+            </a:pPr>
+            <a:endParaRPr lang="fr-FR" sz="1600" dirty="0">
+              <a:latin typeface="Montserrat" panose="00000500000000000000" pitchFamily="2" charset="0"/>
+            </a:endParaRPr>
+          </a:p>
+          <a:p>
+            <a:pPr marL="0" indent="0">
+              <a:lnSpc>
+                <a:spcPct val="110000"/>
+              </a:lnSpc>
+              <a:buNone/>
+            </a:pPr>
+            <a:endParaRPr lang="fr-FR" sz="1600" b="1" dirty="0">
+              <a:latin typeface="Montserrat" panose="00000500000000000000" pitchFamily="2" charset="0"/>
+            </a:endParaRPr>
+          </a:p>
+          <a:p>
+            <a:endParaRPr lang="fr-FR" dirty="0"/>
           </a:p>
         </p:txBody>
       </p:sp>
       <p:pic>
         <p:nvPicPr>
-          <p:cNvPr id="9" name="Espace réservé du contenu 8">
-            <a:extLst>
-              <a:ext uri="{FF2B5EF4-FFF2-40B4-BE49-F238E27FC236}">
-                <a16:creationId xmlns:a16="http://schemas.microsoft.com/office/drawing/2014/main" id="{9CB089B3-3224-4B3B-9D9B-9DB34ED15F7A}"/>
+          <p:cNvPr id="6" name="Image 5">
+            <a:extLst>
+              <a:ext uri="{FF2B5EF4-FFF2-40B4-BE49-F238E27FC236}">
+                <a16:creationId xmlns:a16="http://schemas.microsoft.com/office/drawing/2014/main" id="{7FFC9714-8363-4148-B3A8-4D212E407D63}"/>
               </a:ext>
             </a:extLst>
           </p:cNvPr>
           <p:cNvPicPr>
-            <a:picLocks noGrp="1" noChangeAspect="1"/>
+            <a:picLocks noChangeAspect="1"/>
           </p:cNvPicPr>
-          <p:nvPr>
-            <p:ph idx="1"/>
-          </p:nvPr>
+          <p:nvPr/>
         </p:nvPicPr>
         <p:blipFill>
           <a:blip r:embed="rId2">
@@ -8003,17 +8031,20 @@
         </p:blipFill>
         <p:spPr>
           <a:xfrm>
-            <a:off x="838200" y="844113"/>
-            <a:ext cx="2962013" cy="5721777"/>
+            <a:off x="4547532" y="1325563"/>
+            <a:ext cx="377691" cy="377691"/>
           </a:xfrm>
+          <a:prstGeom prst="rect">
+            <a:avLst/>
+          </a:prstGeom>
         </p:spPr>
       </p:pic>
       <p:pic>
         <p:nvPicPr>
-          <p:cNvPr id="11" name="Image 10">
-            <a:extLst>
-              <a:ext uri="{FF2B5EF4-FFF2-40B4-BE49-F238E27FC236}">
-                <a16:creationId xmlns:a16="http://schemas.microsoft.com/office/drawing/2014/main" id="{3080EC19-A50E-4B6E-873E-3CAC371FD196}"/>
+          <p:cNvPr id="7" name="Image 6" descr="Une image contenant texte&#10;&#10;Description générée automatiquement">
+            <a:extLst>
+              <a:ext uri="{FF2B5EF4-FFF2-40B4-BE49-F238E27FC236}">
+                <a16:creationId xmlns:a16="http://schemas.microsoft.com/office/drawing/2014/main" id="{BA444994-330A-4C69-B046-2E473BDBB754}"/>
               </a:ext>
             </a:extLst>
           </p:cNvPr>
@@ -8036,8 +8067,80 @@
         </p:blipFill>
         <p:spPr>
           <a:xfrm>
-            <a:off x="4311115" y="844113"/>
-            <a:ext cx="4151750" cy="5718448"/>
+            <a:off x="6096000" y="3558367"/>
+            <a:ext cx="2476500" cy="590550"/>
+          </a:xfrm>
+          <a:prstGeom prst="rect">
+            <a:avLst/>
+          </a:prstGeom>
+        </p:spPr>
+      </p:pic>
+      <p:pic>
+        <p:nvPicPr>
+          <p:cNvPr id="10" name="Image 9" descr="Une image contenant texte&#10;&#10;Description générée automatiquement">
+            <a:extLst>
+              <a:ext uri="{FF2B5EF4-FFF2-40B4-BE49-F238E27FC236}">
+                <a16:creationId xmlns:a16="http://schemas.microsoft.com/office/drawing/2014/main" id="{453D083D-9F76-4867-A5E2-36E5D795F149}"/>
+              </a:ext>
+            </a:extLst>
+          </p:cNvPr>
+          <p:cNvPicPr>
+            <a:picLocks noChangeAspect="1"/>
+          </p:cNvPicPr>
+          <p:nvPr/>
+        </p:nvPicPr>
+        <p:blipFill>
+          <a:blip r:embed="rId4">
+            <a:extLst>
+              <a:ext uri="{28A0092B-C50C-407E-A947-70E740481C1C}">
+                <a14:useLocalDpi xmlns:a14="http://schemas.microsoft.com/office/drawing/2010/main" val="0"/>
+              </a:ext>
+            </a:extLst>
+          </a:blip>
+          <a:stretch>
+            <a:fillRect/>
+          </a:stretch>
+        </p:blipFill>
+        <p:spPr>
+          <a:xfrm>
+            <a:off x="4547532" y="2887475"/>
+            <a:ext cx="646302" cy="362647"/>
+          </a:xfrm>
+          <a:prstGeom prst="rect">
+            <a:avLst/>
+          </a:prstGeom>
+        </p:spPr>
+      </p:pic>
+      <p:pic>
+        <p:nvPicPr>
+          <p:cNvPr id="12" name="Image 11" descr="Une image contenant texte&#10;&#10;Description générée automatiquement">
+            <a:extLst>
+              <a:ext uri="{FF2B5EF4-FFF2-40B4-BE49-F238E27FC236}">
+                <a16:creationId xmlns:a16="http://schemas.microsoft.com/office/drawing/2014/main" id="{3E22A08A-7F34-4B8F-A14C-FEA354B029DB}"/>
+              </a:ext>
+            </a:extLst>
+          </p:cNvPr>
+          <p:cNvPicPr>
+            <a:picLocks noChangeAspect="1"/>
+          </p:cNvPicPr>
+          <p:nvPr/>
+        </p:nvPicPr>
+        <p:blipFill>
+          <a:blip r:embed="rId5">
+            <a:extLst>
+              <a:ext uri="{28A0092B-C50C-407E-A947-70E740481C1C}">
+                <a14:useLocalDpi xmlns:a14="http://schemas.microsoft.com/office/drawing/2010/main" val="0"/>
+              </a:ext>
+            </a:extLst>
+          </a:blip>
+          <a:stretch>
+            <a:fillRect/>
+          </a:stretch>
+        </p:blipFill>
+        <p:spPr>
+          <a:xfrm>
+            <a:off x="6442745" y="1916112"/>
+            <a:ext cx="1309032" cy="734512"/>
           </a:xfrm>
           <a:prstGeom prst="rect">
             <a:avLst/>
@@ -8047,7 +8150,7 @@
     </p:spTree>
     <p:extLst>
       <p:ext uri="{BB962C8B-B14F-4D97-AF65-F5344CB8AC3E}">
-        <p14:creationId xmlns:p14="http://schemas.microsoft.com/office/powerpoint/2010/main" val="957695054"/>
+        <p14:creationId xmlns:p14="http://schemas.microsoft.com/office/powerpoint/2010/main" val="1520961315"/>
       </p:ext>
     </p:extLst>
   </p:cSld>
@@ -8168,45 +8271,7 @@
               <a:rPr lang="fr-FR" sz="1600" dirty="0">
                 <a:latin typeface="Montserrat" panose="00000500000000000000" pitchFamily="2" charset="0"/>
               </a:rPr>
-              <a:t>-Prise en main des bases d’HTML et CSS/SASS</a:t>
-            </a:r>
-          </a:p>
-          <a:p>
-            <a:pPr marL="0" indent="0">
-              <a:buNone/>
-            </a:pPr>
-            <a:endParaRPr lang="fr-FR" sz="1600" dirty="0">
-              <a:latin typeface="Montserrat" panose="00000500000000000000" pitchFamily="2" charset="0"/>
-            </a:endParaRPr>
-          </a:p>
-          <a:p>
-            <a:pPr marL="0" indent="0">
-              <a:buNone/>
-            </a:pPr>
-            <a:r>
-              <a:rPr lang="fr-FR" sz="1600" dirty="0">
-                <a:latin typeface="Montserrat" panose="00000500000000000000" pitchFamily="2" charset="0"/>
-              </a:rPr>
-              <a:t>-Prise en main des bases de GitHub</a:t>
-            </a:r>
-          </a:p>
-          <a:p>
-            <a:pPr marL="0" indent="0">
-              <a:buNone/>
-            </a:pPr>
-            <a:endParaRPr lang="fr-FR" sz="1600" dirty="0">
-              <a:latin typeface="Montserrat" panose="00000500000000000000" pitchFamily="2" charset="0"/>
-            </a:endParaRPr>
-          </a:p>
-          <a:p>
-            <a:pPr marL="0" indent="0">
-              <a:buNone/>
-            </a:pPr>
-            <a:r>
-              <a:rPr lang="fr-FR" sz="1600" dirty="0">
-                <a:latin typeface="Montserrat" panose="00000500000000000000" pitchFamily="2" charset="0"/>
-              </a:rPr>
-              <a:t>-Mise en ligne sur GitHub</a:t>
+              <a:t>-Mise en ligne sur GitHub en préproduction</a:t>
             </a:r>
           </a:p>
           <a:p>
@@ -8216,6 +8281,17 @@
             <a:endParaRPr lang="fr-FR" sz="2400" baseline="30000" dirty="0">
               <a:latin typeface="Montserrat" panose="00000500000000000000" pitchFamily="2" charset="0"/>
             </a:endParaRPr>
+          </a:p>
+          <a:p>
+            <a:pPr marL="0" indent="0">
+              <a:buNone/>
+            </a:pPr>
+            <a:r>
+              <a:rPr lang="fr-FR" sz="2400" baseline="30000" dirty="0">
+                <a:latin typeface="Montserrat" panose="00000500000000000000" pitchFamily="2" charset="0"/>
+              </a:rPr>
+              <a:t>-https://julien-014.github.io/JulienBeral_3_15112021/</a:t>
+            </a:r>
           </a:p>
         </p:txBody>
       </p:sp>
